--- a/Docs/PolluxPenguin-PPT.pptx
+++ b/Docs/PolluxPenguin-PPT.pptx
@@ -161,6 +161,114 @@
 </p:presentation>
 </file>
 
+<file path=ppt/changesInfos/changesInfo1.xml><?xml version="1.0" encoding="utf-8"?>
+<pc:chgInfo xmlns:a="http://schemas.openxmlformats.org/drawingml/2006/main" xmlns:r="http://schemas.openxmlformats.org/officeDocument/2006/relationships" xmlns:ac="http://schemas.microsoft.com/office/drawing/2013/main/command" xmlns:pc="http://schemas.microsoft.com/office/powerpoint/2013/main/command">
+  <pc:docChgLst>
+    <pc:chgData name="Aradhya Gaonkar" userId="1d52ee6f-e529-4a61-9239-f9e43a6526a6" providerId="ADAL" clId="{5B41E973-047A-4B83-A4A6-168929131D39}"/>
+    <pc:docChg chg="undo redo custSel modSld">
+      <pc:chgData name="Aradhya Gaonkar" userId="1d52ee6f-e529-4a61-9239-f9e43a6526a6" providerId="ADAL" clId="{5B41E973-047A-4B83-A4A6-168929131D39}" dt="2024-09-16T17:58:45.768" v="327" actId="1076"/>
+      <pc:docMkLst>
+        <pc:docMk/>
+      </pc:docMkLst>
+      <pc:sldChg chg="addSp modSp mod">
+        <pc:chgData name="Aradhya Gaonkar" userId="1d52ee6f-e529-4a61-9239-f9e43a6526a6" providerId="ADAL" clId="{5B41E973-047A-4B83-A4A6-168929131D39}" dt="2024-09-16T17:58:45.768" v="327" actId="1076"/>
+        <pc:sldMkLst>
+          <pc:docMk/>
+          <pc:sldMk cId="0" sldId="290"/>
+        </pc:sldMkLst>
+        <pc:spChg chg="add mod">
+          <ac:chgData name="Aradhya Gaonkar" userId="1d52ee6f-e529-4a61-9239-f9e43a6526a6" providerId="ADAL" clId="{5B41E973-047A-4B83-A4A6-168929131D39}" dt="2024-09-16T17:58:45.768" v="327" actId="1076"/>
+          <ac:spMkLst>
+            <pc:docMk/>
+            <pc:sldMk cId="0" sldId="290"/>
+            <ac:spMk id="2" creationId="{D1492500-2CB9-3DB2-C714-CDC28C760A11}"/>
+          </ac:spMkLst>
+        </pc:spChg>
+        <pc:spChg chg="add mod">
+          <ac:chgData name="Aradhya Gaonkar" userId="1d52ee6f-e529-4a61-9239-f9e43a6526a6" providerId="ADAL" clId="{5B41E973-047A-4B83-A4A6-168929131D39}" dt="2024-09-16T17:58:37.489" v="326" actId="2085"/>
+          <ac:spMkLst>
+            <pc:docMk/>
+            <pc:sldMk cId="0" sldId="290"/>
+            <ac:spMk id="3" creationId="{E4FCF483-10A7-8488-DAA3-A0F55539216A}"/>
+          </ac:spMkLst>
+        </pc:spChg>
+        <pc:picChg chg="mod">
+          <ac:chgData name="Aradhya Gaonkar" userId="1d52ee6f-e529-4a61-9239-f9e43a6526a6" providerId="ADAL" clId="{5B41E973-047A-4B83-A4A6-168929131D39}" dt="2024-09-16T17:58:17.267" v="322" actId="1076"/>
+          <ac:picMkLst>
+            <pc:docMk/>
+            <pc:sldMk cId="0" sldId="290"/>
+            <ac:picMk id="32" creationId="{D3DD4B0C-B79F-BFFD-5AD0-2763B22F8FC4}"/>
+          </ac:picMkLst>
+        </pc:picChg>
+      </pc:sldChg>
+      <pc:sldChg chg="addSp delSp modSp mod">
+        <pc:chgData name="Aradhya Gaonkar" userId="1d52ee6f-e529-4a61-9239-f9e43a6526a6" providerId="ADAL" clId="{5B41E973-047A-4B83-A4A6-168929131D39}" dt="2024-09-16T17:57:19.644" v="282" actId="113"/>
+        <pc:sldMkLst>
+          <pc:docMk/>
+          <pc:sldMk cId="2301138896" sldId="297"/>
+        </pc:sldMkLst>
+        <pc:spChg chg="mod">
+          <ac:chgData name="Aradhya Gaonkar" userId="1d52ee6f-e529-4a61-9239-f9e43a6526a6" providerId="ADAL" clId="{5B41E973-047A-4B83-A4A6-168929131D39}" dt="2024-09-16T17:57:19.644" v="282" actId="113"/>
+          <ac:spMkLst>
+            <pc:docMk/>
+            <pc:sldMk cId="2301138896" sldId="297"/>
+            <ac:spMk id="2" creationId="{00000000-0000-0000-0000-000000000000}"/>
+          </ac:spMkLst>
+        </pc:spChg>
+        <pc:spChg chg="del">
+          <ac:chgData name="Aradhya Gaonkar" userId="1d52ee6f-e529-4a61-9239-f9e43a6526a6" providerId="ADAL" clId="{5B41E973-047A-4B83-A4A6-168929131D39}" dt="2024-09-16T17:43:08.668" v="2" actId="478"/>
+          <ac:spMkLst>
+            <pc:docMk/>
+            <pc:sldMk cId="2301138896" sldId="297"/>
+            <ac:spMk id="5" creationId="{3C1A1912-9C43-5291-2A17-D08CE37914FA}"/>
+          </ac:spMkLst>
+        </pc:spChg>
+        <pc:spChg chg="mod">
+          <ac:chgData name="Aradhya Gaonkar" userId="1d52ee6f-e529-4a61-9239-f9e43a6526a6" providerId="ADAL" clId="{5B41E973-047A-4B83-A4A6-168929131D39}" dt="2024-09-16T17:43:54.867" v="14" actId="1076"/>
+          <ac:spMkLst>
+            <pc:docMk/>
+            <pc:sldMk cId="2301138896" sldId="297"/>
+            <ac:spMk id="9" creationId="{E1FF2BBE-657C-FD92-4D51-C48617494AA0}"/>
+          </ac:spMkLst>
+        </pc:spChg>
+        <pc:spChg chg="del">
+          <ac:chgData name="Aradhya Gaonkar" userId="1d52ee6f-e529-4a61-9239-f9e43a6526a6" providerId="ADAL" clId="{5B41E973-047A-4B83-A4A6-168929131D39}" dt="2024-09-16T17:43:51.456" v="13" actId="478"/>
+          <ac:spMkLst>
+            <pc:docMk/>
+            <pc:sldMk cId="2301138896" sldId="297"/>
+            <ac:spMk id="11" creationId="{30DA7B96-1BAA-5311-D9B4-F5E33B3F28DF}"/>
+          </ac:spMkLst>
+        </pc:spChg>
+        <pc:picChg chg="add mod">
+          <ac:chgData name="Aradhya Gaonkar" userId="1d52ee6f-e529-4a61-9239-f9e43a6526a6" providerId="ADAL" clId="{5B41E973-047A-4B83-A4A6-168929131D39}" dt="2024-09-16T17:55:19.001" v="273" actId="14100"/>
+          <ac:picMkLst>
+            <pc:docMk/>
+            <pc:sldMk cId="2301138896" sldId="297"/>
+            <ac:picMk id="12" creationId="{3D3DE5DE-1890-E695-2D8E-F80715826859}"/>
+          </ac:picMkLst>
+        </pc:picChg>
+        <pc:picChg chg="add del mod">
+          <ac:chgData name="Aradhya Gaonkar" userId="1d52ee6f-e529-4a61-9239-f9e43a6526a6" providerId="ADAL" clId="{5B41E973-047A-4B83-A4A6-168929131D39}" dt="2024-09-16T17:44:20.360" v="17" actId="478"/>
+          <ac:picMkLst>
+            <pc:docMk/>
+            <pc:sldMk cId="2301138896" sldId="297"/>
+            <ac:picMk id="14" creationId="{0AC6A143-1EAC-754D-7660-DC7F510F6558}"/>
+          </ac:picMkLst>
+        </pc:picChg>
+        <pc:picChg chg="add del mod">
+          <ac:chgData name="Aradhya Gaonkar" userId="1d52ee6f-e529-4a61-9239-f9e43a6526a6" providerId="ADAL" clId="{5B41E973-047A-4B83-A4A6-168929131D39}" dt="2024-09-16T17:44:42.408" v="23" actId="478"/>
+          <ac:picMkLst>
+            <pc:docMk/>
+            <pc:sldMk cId="2301138896" sldId="297"/>
+            <ac:picMk id="16" creationId="{3D470044-3876-3B70-B9F4-EA256D30B0F5}"/>
+          </ac:picMkLst>
+        </pc:picChg>
+      </pc:sldChg>
+    </pc:docChg>
+  </pc:docChgLst>
+</pc:chgInfo>
+</file>
+
 <file path=ppt/notesMasters/notesMaster1.xml><?xml version="1.0" encoding="utf-8"?>
 <p:notesMaster xmlns:a="http://schemas.openxmlformats.org/drawingml/2006/main" xmlns:r="http://schemas.openxmlformats.org/officeDocument/2006/relationships" xmlns:p="http://schemas.openxmlformats.org/presentationml/2006/main">
   <p:cSld>
@@ -256,7 +364,7 @@
           <a:p>
             <a:fld id="{C4D5ADD5-2BBC-4A94-8F86-D9013941F742}" type="datetimeFigureOut">
               <a:rPr lang="en-US"/>
-              <a:t>9/14/2024</a:t>
+              <a:t>9/16/2024</a:t>
             </a:fld>
             <a:endParaRPr lang="en-US"/>
           </a:p>
@@ -1507,7 +1615,7 @@
           <a:p>
             <a:fld id="{E60792E3-D524-454C-8AFD-A91972900BCB}" type="datetime1">
               <a:rPr lang="en-US" smtClean="0"/>
-              <a:t>9/14/2024</a:t>
+              <a:t>9/16/2024</a:t>
             </a:fld>
             <a:endParaRPr lang="en-US"/>
           </a:p>
@@ -1688,7 +1796,7 @@
           <a:p>
             <a:fld id="{053C3A68-6922-42D3-8905-ECC2D82A3469}" type="datetime1">
               <a:rPr lang="en-US" smtClean="0"/>
-              <a:t>9/14/2024</a:t>
+              <a:t>9/16/2024</a:t>
             </a:fld>
             <a:endParaRPr lang="en-US"/>
           </a:p>
@@ -1879,7 +1987,7 @@
           <a:p>
             <a:fld id="{CB69E9F4-7604-4950-A8B2-8ACDEDB1506E}" type="datetime1">
               <a:rPr lang="en-US" smtClean="0"/>
-              <a:t>9/14/2024</a:t>
+              <a:t>9/16/2024</a:t>
             </a:fld>
             <a:endParaRPr lang="en-US"/>
           </a:p>
@@ -2060,7 +2168,7 @@
           <a:p>
             <a:fld id="{708B7524-32A2-4C20-A58C-BC3BAA1042FC}" type="datetime1">
               <a:rPr lang="en-US" smtClean="0"/>
-              <a:t>9/14/2024</a:t>
+              <a:t>9/16/2024</a:t>
             </a:fld>
             <a:endParaRPr lang="en-US"/>
           </a:p>
@@ -2318,7 +2426,7 @@
           <a:p>
             <a:fld id="{1E994447-D6B2-43BB-A877-57F1A267B999}" type="datetime1">
               <a:rPr lang="en-US" smtClean="0"/>
-              <a:t>9/14/2024</a:t>
+              <a:t>9/16/2024</a:t>
             </a:fld>
             <a:endParaRPr lang="en-US"/>
           </a:p>
@@ -2616,7 +2724,7 @@
           <a:p>
             <a:fld id="{68920E16-BD35-483C-AA6B-346FC7E46DEA}" type="datetime1">
               <a:rPr lang="en-US" smtClean="0"/>
-              <a:t>9/14/2024</a:t>
+              <a:t>9/16/2024</a:t>
             </a:fld>
             <a:endParaRPr lang="en-US"/>
           </a:p>
@@ -3048,7 +3156,7 @@
           <a:p>
             <a:fld id="{2FEAC6F8-5103-4FC0-A69E-5C6AE6469DA8}" type="datetime1">
               <a:rPr lang="en-US" smtClean="0"/>
-              <a:t>9/14/2024</a:t>
+              <a:t>9/16/2024</a:t>
             </a:fld>
             <a:endParaRPr lang="en-US"/>
           </a:p>
@@ -3178,7 +3286,7 @@
           <a:p>
             <a:fld id="{C60C6921-0627-4C8F-83D5-0CF936D2FFDD}" type="datetime1">
               <a:rPr lang="en-US" smtClean="0"/>
-              <a:t>9/14/2024</a:t>
+              <a:t>9/16/2024</a:t>
             </a:fld>
             <a:endParaRPr lang="en-US"/>
           </a:p>
@@ -3286,7 +3394,7 @@
           <a:p>
             <a:fld id="{2FF08AD7-8103-40F8-983C-E2BA6BB9CBE0}" type="datetime1">
               <a:rPr lang="en-US" smtClean="0"/>
-              <a:t>9/14/2024</a:t>
+              <a:t>9/16/2024</a:t>
             </a:fld>
             <a:endParaRPr lang="en-US"/>
           </a:p>
@@ -3574,7 +3682,7 @@
           <a:p>
             <a:fld id="{DF8C06B4-9380-4A4D-AF49-A3596E17DAF5}" type="datetime1">
               <a:rPr lang="en-US" smtClean="0"/>
-              <a:t>9/14/2024</a:t>
+              <a:t>9/16/2024</a:t>
             </a:fld>
             <a:endParaRPr lang="en-US"/>
           </a:p>
@@ -3842,7 +3950,7 @@
           <a:p>
             <a:fld id="{EF7FDEF1-C582-4E22-9E77-D68326471F28}" type="datetime1">
               <a:rPr lang="en-US" smtClean="0"/>
-              <a:t>9/14/2024</a:t>
+              <a:t>9/16/2024</a:t>
             </a:fld>
             <a:endParaRPr lang="en-US"/>
           </a:p>
@@ -4068,7 +4176,7 @@
           <a:p>
             <a:fld id="{780A9602-A9A9-453F-AEF1-37B5837E02CD}" type="datetime1">
               <a:rPr lang="en-US" smtClean="0"/>
-              <a:t>9/14/2024</a:t>
+              <a:t>9/16/2024</a:t>
             </a:fld>
             <a:endParaRPr lang="en-US"/>
           </a:p>
@@ -6424,15 +6532,7 @@
           <a:p>
             <a:r>
               <a:rPr lang="en-IN" sz="1600" dirty="0"/>
-              <a:t>Python and Bash are used to implement the entire system. </a:t>
-            </a:r>
-            <a:r>
-              <a:rPr lang="en-IN" sz="1600" dirty="0" err="1"/>
-              <a:t>LangChain</a:t>
-            </a:r>
-            <a:r>
-              <a:rPr lang="en-IN" sz="1600" dirty="0"/>
-              <a:t> is used to build the RAG system. YOLOv8 is used as the CNN*</a:t>
+              <a:t>Python and Bash are used to implement the entire system. LangChain is used to build the RAG system. YOLOv8 is used as the CNN*</a:t>
             </a:r>
           </a:p>
           <a:p>
@@ -6595,7 +6695,7 @@
         </p:blipFill>
         <p:spPr>
           <a:xfrm>
-            <a:off x="4639542" y="1149815"/>
+            <a:off x="4639542" y="1142944"/>
             <a:ext cx="7292686" cy="5204151"/>
           </a:xfrm>
         </p:spPr>
@@ -6886,6 +6986,92 @@
           </a:p>
         </p:txBody>
       </p:sp>
+      <p:sp>
+        <p:nvSpPr>
+          <p:cNvPr id="2" name="TextBox 1">
+            <a:extLst>
+              <a:ext uri="{FF2B5EF4-FFF2-40B4-BE49-F238E27FC236}">
+                <a16:creationId xmlns:a16="http://schemas.microsoft.com/office/drawing/2014/main" id="{D1492500-2CB9-3DB2-C714-CDC28C760A11}"/>
+              </a:ext>
+            </a:extLst>
+          </p:cNvPr>
+          <p:cNvSpPr txBox="1"/>
+          <p:nvPr/>
+        </p:nvSpPr>
+        <p:spPr>
+          <a:xfrm>
+            <a:off x="5854383" y="2239571"/>
+            <a:ext cx="1253420" cy="369332"/>
+          </a:xfrm>
+          <a:prstGeom prst="rect">
+            <a:avLst/>
+          </a:prstGeom>
+          <a:noFill/>
+        </p:spPr>
+        <p:txBody>
+          <a:bodyPr wrap="none" rtlCol="0">
+            <a:spAutoFit/>
+          </a:bodyPr>
+          <a:lstStyle/>
+          <a:p>
+            <a:r>
+              <a:rPr lang="en-IN" dirty="0">
+                <a:solidFill>
+                  <a:schemeClr val="bg1"/>
+                </a:solidFill>
+              </a:rPr>
+              <a:t>WebApp UI</a:t>
+            </a:r>
+          </a:p>
+        </p:txBody>
+      </p:sp>
+      <p:sp>
+        <p:nvSpPr>
+          <p:cNvPr id="3" name="Rectangle 2">
+            <a:extLst>
+              <a:ext uri="{FF2B5EF4-FFF2-40B4-BE49-F238E27FC236}">
+                <a16:creationId xmlns:a16="http://schemas.microsoft.com/office/drawing/2014/main" id="{E4FCF483-10A7-8488-DAA3-A0F55539216A}"/>
+              </a:ext>
+            </a:extLst>
+          </p:cNvPr>
+          <p:cNvSpPr/>
+          <p:nvPr/>
+        </p:nvSpPr>
+        <p:spPr>
+          <a:xfrm>
+            <a:off x="4789967" y="3334624"/>
+            <a:ext cx="1244010" cy="614895"/>
+          </a:xfrm>
+          <a:prstGeom prst="rect">
+            <a:avLst/>
+          </a:prstGeom>
+          <a:ln>
+            <a:noFill/>
+          </a:ln>
+        </p:spPr>
+        <p:style>
+          <a:lnRef idx="2">
+            <a:schemeClr val="dk1"/>
+          </a:lnRef>
+          <a:fillRef idx="1">
+            <a:schemeClr val="lt1"/>
+          </a:fillRef>
+          <a:effectRef idx="0">
+            <a:schemeClr val="dk1"/>
+          </a:effectRef>
+          <a:fontRef idx="minor">
+            <a:schemeClr val="dk1"/>
+          </a:fontRef>
+        </p:style>
+        <p:txBody>
+          <a:bodyPr rtlCol="0" anchor="ctr"/>
+          <a:lstStyle/>
+          <a:p>
+            <a:pPr algn="ctr"/>
+            <a:endParaRPr lang="en-IN"/>
+          </a:p>
+        </p:txBody>
+      </p:sp>
     </p:spTree>
   </p:cSld>
   <p:clrMapOvr>
@@ -8505,8 +8691,8 @@
         </p:nvSpPr>
         <p:spPr bwMode="auto">
           <a:xfrm>
-            <a:off x="-328326" y="1159618"/>
-            <a:ext cx="7099936" cy="5109091"/>
+            <a:off x="3827721" y="943453"/>
+            <a:ext cx="7852144" cy="5281446"/>
           </a:xfrm>
           <a:prstGeom prst="rect">
             <a:avLst/>
@@ -8522,56 +8708,6 @@
             <a:spAutoFit/>
           </a:bodyPr>
           <a:lstStyle/>
-          <a:p>
-            <a:pPr marR="0" lvl="0" algn="just" defTabSz="457200" rtl="0" eaLnBrk="1" fontAlgn="base" latinLnBrk="0" hangingPunct="1">
-              <a:lnSpc>
-                <a:spcPct val="100000"/>
-              </a:lnSpc>
-              <a:spcBef>
-                <a:spcPct val="0"/>
-              </a:spcBef>
-              <a:spcAft>
-                <a:spcPct val="0"/>
-              </a:spcAft>
-              <a:buClrTx/>
-              <a:buSzTx/>
-              <a:defRPr/>
-            </a:pPr>
-            <a:r>
-              <a:rPr kumimoji="0" lang="en-US" sz="2400" b="1" i="0" strike="noStrike" kern="1200" cap="none" spc="0" normalizeH="0" baseline="0" noProof="0" dirty="0">
-                <a:ln>
-                  <a:noFill/>
-                </a:ln>
-                <a:solidFill>
-                  <a:prstClr val="black"/>
-                </a:solidFill>
-                <a:effectLst/>
-                <a:uLnTx/>
-                <a:uFillTx/>
-                <a:latin typeface="Arial" panose="020B0604020202020204" pitchFamily="34" charset="0"/>
-                <a:ea typeface="MS PGothic" panose="020B0600070205080204" pitchFamily="1" charset="-128"/>
-                <a:cs typeface="Arial" panose="020B0604020202020204" pitchFamily="34" charset="0"/>
-              </a:rPr>
-              <a:t>	</a:t>
-            </a:r>
-            <a:r>
-              <a:rPr kumimoji="0" lang="en-US" sz="2400" b="1" i="0" u="sng" strike="noStrike" kern="1200" cap="none" spc="0" normalizeH="0" baseline="0" noProof="0" dirty="0">
-                <a:ln>
-                  <a:noFill/>
-                </a:ln>
-                <a:solidFill>
-                  <a:prstClr val="black"/>
-                </a:solidFill>
-                <a:effectLst/>
-                <a:uLnTx/>
-                <a:uFillTx/>
-                <a:latin typeface="Arial" panose="020B0604020202020204" pitchFamily="34" charset="0"/>
-                <a:ea typeface="MS PGothic" panose="020B0600070205080204" pitchFamily="1" charset="-128"/>
-                <a:cs typeface="Arial" panose="020B0604020202020204" pitchFamily="34" charset="0"/>
-              </a:rPr>
-              <a:t>Potential impact on the target audience</a:t>
-            </a:r>
-          </a:p>
           <a:p>
             <a:pPr marL="342900" marR="0" lvl="0" indent="-342900" algn="just" defTabSz="457200" rtl="0" eaLnBrk="1" fontAlgn="base" latinLnBrk="0" hangingPunct="1">
               <a:lnSpc>
@@ -8611,7 +8747,7 @@
               <a:defRPr/>
             </a:pPr>
             <a:r>
-              <a:rPr lang="en-US" sz="1780" b="1" dirty="0">
+              <a:rPr lang="en-US" sz="2000" b="1" dirty="0">
                 <a:solidFill>
                   <a:prstClr val="black"/>
                 </a:solidFill>
@@ -8628,7 +8764,27 @@
                 <a:latin typeface="Arial" panose="020B0604020202020204" pitchFamily="34" charset="0"/>
                 <a:cs typeface="Arial" panose="020B0604020202020204" pitchFamily="34" charset="0"/>
               </a:rPr>
-              <a:t>The reduction in the technical expertise required for UAV operation will make drone technology more accessible and affordable, particularly for startups and smaller businesses.</a:t>
+              <a:t>Reduced technical expertise required for UAV operation improves access, making the technology more affordable and </a:t>
+            </a:r>
+            <a:r>
+              <a:rPr lang="en-US" sz="1780" b="1" dirty="0">
+                <a:solidFill>
+                  <a:prstClr val="black"/>
+                </a:solidFill>
+                <a:latin typeface="Arial" panose="020B0604020202020204" pitchFamily="34" charset="0"/>
+                <a:cs typeface="Arial" panose="020B0604020202020204" pitchFamily="34" charset="0"/>
+              </a:rPr>
+              <a:t>empowering startups </a:t>
+            </a:r>
+            <a:r>
+              <a:rPr lang="en-US" sz="1780" dirty="0">
+                <a:solidFill>
+                  <a:prstClr val="black"/>
+                </a:solidFill>
+                <a:latin typeface="Arial" panose="020B0604020202020204" pitchFamily="34" charset="0"/>
+                <a:cs typeface="Arial" panose="020B0604020202020204" pitchFamily="34" charset="0"/>
+              </a:rPr>
+              <a:t>and small businesses.</a:t>
             </a:r>
           </a:p>
           <a:p>
@@ -8637,7 +8793,7 @@
               <a:buChar char="•"/>
               <a:defRPr/>
             </a:pPr>
-            <a:endParaRPr lang="en-US" sz="800" dirty="0">
+            <a:endParaRPr lang="en-US" sz="1780" dirty="0">
               <a:solidFill>
                 <a:prstClr val="black"/>
               </a:solidFill>
@@ -8651,34 +8807,7 @@
               <a:buChar char="•"/>
               <a:defRPr/>
             </a:pPr>
-            <a:r>
-              <a:rPr lang="en-US" sz="1780" b="1" dirty="0">
-                <a:solidFill>
-                  <a:prstClr val="black"/>
-                </a:solidFill>
-                <a:latin typeface="Arial" panose="020B0604020202020204" pitchFamily="34" charset="0"/>
-                <a:cs typeface="Arial" panose="020B0604020202020204" pitchFamily="34" charset="0"/>
-              </a:rPr>
-              <a:t>Job Creation: </a:t>
-            </a:r>
-            <a:r>
-              <a:rPr lang="en-US" sz="1780" dirty="0">
-                <a:solidFill>
-                  <a:prstClr val="black"/>
-                </a:solidFill>
-                <a:latin typeface="Arial" panose="020B0604020202020204" pitchFamily="34" charset="0"/>
-                <a:cs typeface="Arial" panose="020B0604020202020204" pitchFamily="34" charset="0"/>
-              </a:rPr>
-              <a:t>With easier implementation, more companies will be able to add UAV services, leading to the creation of new roles and opportunities across various industries.</a:t>
-            </a:r>
-          </a:p>
-          <a:p>
-            <a:pPr marL="800100" lvl="1" indent="-342900" algn="just">
-              <a:buFont typeface="Arial" panose="020B0604020202020204" pitchFamily="34" charset="0"/>
-              <a:buChar char="•"/>
-              <a:defRPr/>
-            </a:pPr>
-            <a:endParaRPr lang="en-US" sz="800" dirty="0">
+            <a:endParaRPr lang="en-US" sz="1780" dirty="0">
               <a:solidFill>
                 <a:prstClr val="black"/>
               </a:solidFill>
@@ -8693,14 +8822,14 @@
               <a:defRPr/>
             </a:pPr>
             <a:r>
-              <a:rPr lang="en-US" sz="1780" b="1" dirty="0">
+              <a:rPr lang="en-US" sz="2000" b="1" dirty="0">
                 <a:solidFill>
                   <a:prstClr val="black"/>
                 </a:solidFill>
                 <a:latin typeface="Arial" panose="020B0604020202020204" pitchFamily="34" charset="0"/>
                 <a:cs typeface="Arial" panose="020B0604020202020204" pitchFamily="34" charset="0"/>
               </a:rPr>
-              <a:t>Increased Productivity: </a:t>
+              <a:t>Job Creation: </a:t>
             </a:r>
             <a:r>
               <a:rPr lang="en-US" sz="1780" dirty="0">
@@ -8710,7 +8839,27 @@
                 <a:latin typeface="Arial" panose="020B0604020202020204" pitchFamily="34" charset="0"/>
                 <a:cs typeface="Arial" panose="020B0604020202020204" pitchFamily="34" charset="0"/>
               </a:rPr>
-              <a:t>Enhanced parallelization of workflows will significantly boost productivity, allowing industries to scale more efficiently and foster niche market growth.</a:t>
+              <a:t>Easier implementation empowers more companies to adopt UAV services, resulting in new job creation across industries and providing an </a:t>
+            </a:r>
+            <a:r>
+              <a:rPr lang="en-US" sz="1780" b="1" dirty="0">
+                <a:solidFill>
+                  <a:prstClr val="black"/>
+                </a:solidFill>
+                <a:latin typeface="Arial" panose="020B0604020202020204" pitchFamily="34" charset="0"/>
+                <a:cs typeface="Arial" panose="020B0604020202020204" pitchFamily="34" charset="0"/>
+              </a:rPr>
+              <a:t>economic boost</a:t>
+            </a:r>
+            <a:r>
+              <a:rPr lang="en-US" sz="1780" dirty="0">
+                <a:solidFill>
+                  <a:prstClr val="black"/>
+                </a:solidFill>
+                <a:latin typeface="Arial" panose="020B0604020202020204" pitchFamily="34" charset="0"/>
+                <a:cs typeface="Arial" panose="020B0604020202020204" pitchFamily="34" charset="0"/>
+              </a:rPr>
+              <a:t>.</a:t>
             </a:r>
           </a:p>
           <a:p>
@@ -8719,7 +8868,7 @@
               <a:buChar char="•"/>
               <a:defRPr/>
             </a:pPr>
-            <a:endParaRPr lang="en-US" sz="800" b="1" dirty="0">
+            <a:endParaRPr lang="en-US" sz="1780" dirty="0">
               <a:solidFill>
                 <a:prstClr val="black"/>
               </a:solidFill>
@@ -8733,25 +8882,122 @@
               <a:buChar char="•"/>
               <a:defRPr/>
             </a:pPr>
-            <a:r>
-              <a:rPr lang="en-US" sz="1780" b="1" dirty="0">
+            <a:endParaRPr lang="en-US" sz="1780" dirty="0">
+              <a:solidFill>
+                <a:prstClr val="black"/>
+              </a:solidFill>
+              <a:latin typeface="Arial" panose="020B0604020202020204" pitchFamily="34" charset="0"/>
+              <a:cs typeface="Arial" panose="020B0604020202020204" pitchFamily="34" charset="0"/>
+            </a:endParaRPr>
+          </a:p>
+          <a:p>
+            <a:pPr marL="800100" lvl="1" indent="-342900" algn="just">
+              <a:buFont typeface="Arial" panose="020B0604020202020204" pitchFamily="34" charset="0"/>
+              <a:buChar char="•"/>
+              <a:defRPr/>
+            </a:pPr>
+            <a:r>
+              <a:rPr lang="en-US" sz="2000" b="1" dirty="0">
                 <a:solidFill>
                   <a:prstClr val="black"/>
                 </a:solidFill>
                 <a:latin typeface="Arial" panose="020B0604020202020204" pitchFamily="34" charset="0"/>
                 <a:cs typeface="Arial" panose="020B0604020202020204" pitchFamily="34" charset="0"/>
               </a:rPr>
-              <a:t>Cost-Effective Integration: </a:t>
-            </a:r>
-            <a:r>
-              <a:rPr lang="en-US" sz="1780" dirty="0">
+              <a:t>Increased Productivity</a:t>
+            </a:r>
+            <a:r>
+              <a:rPr lang="en-US" sz="1780" b="1" dirty="0">
                 <a:solidFill>
                   <a:prstClr val="black"/>
                 </a:solidFill>
                 <a:latin typeface="Arial" panose="020B0604020202020204" pitchFamily="34" charset="0"/>
                 <a:cs typeface="Arial" panose="020B0604020202020204" pitchFamily="34" charset="0"/>
               </a:rPr>
-              <a:t>LLMs' adaptability to general conditions reduces overhead costs for integrating UAVs, enabling faster adoption without the need for extensive technical support.</a:t>
+              <a:t>: </a:t>
+            </a:r>
+            <a:r>
+              <a:rPr lang="en-US" sz="1780" dirty="0">
+                <a:solidFill>
+                  <a:prstClr val="black"/>
+                </a:solidFill>
+                <a:latin typeface="Arial" panose="020B0604020202020204" pitchFamily="34" charset="0"/>
+                <a:cs typeface="Arial" panose="020B0604020202020204" pitchFamily="34" charset="0"/>
+              </a:rPr>
+              <a:t>Parallelization of workflows boosts productivity, allowing industries to scale efficiently and tap into niche markets, further driving economic growth.</a:t>
+            </a:r>
+          </a:p>
+          <a:p>
+            <a:pPr marL="800100" lvl="1" indent="-342900" algn="just">
+              <a:buFont typeface="Arial" panose="020B0604020202020204" pitchFamily="34" charset="0"/>
+              <a:buChar char="•"/>
+              <a:defRPr/>
+            </a:pPr>
+            <a:endParaRPr lang="en-US" sz="1780" dirty="0">
+              <a:solidFill>
+                <a:prstClr val="black"/>
+              </a:solidFill>
+              <a:latin typeface="Arial" panose="020B0604020202020204" pitchFamily="34" charset="0"/>
+              <a:cs typeface="Arial" panose="020B0604020202020204" pitchFamily="34" charset="0"/>
+            </a:endParaRPr>
+          </a:p>
+          <a:p>
+            <a:pPr lvl="1" algn="just">
+              <a:defRPr/>
+            </a:pPr>
+            <a:endParaRPr lang="en-US" sz="1780" dirty="0">
+              <a:solidFill>
+                <a:prstClr val="black"/>
+              </a:solidFill>
+              <a:latin typeface="Arial" panose="020B0604020202020204" pitchFamily="34" charset="0"/>
+              <a:cs typeface="Arial" panose="020B0604020202020204" pitchFamily="34" charset="0"/>
+            </a:endParaRPr>
+          </a:p>
+          <a:p>
+            <a:pPr marL="800100" lvl="1" indent="-342900" algn="just">
+              <a:buFont typeface="Arial" panose="020B0604020202020204" pitchFamily="34" charset="0"/>
+              <a:buChar char="•"/>
+              <a:defRPr/>
+            </a:pPr>
+            <a:r>
+              <a:rPr lang="en-US" sz="2000" b="1" dirty="0">
+                <a:solidFill>
+                  <a:prstClr val="black"/>
+                </a:solidFill>
+                <a:latin typeface="Arial" panose="020B0604020202020204" pitchFamily="34" charset="0"/>
+                <a:cs typeface="Arial" panose="020B0604020202020204" pitchFamily="34" charset="0"/>
+              </a:rPr>
+              <a:t>Cost-Effective Integration: </a:t>
+            </a:r>
+            <a:r>
+              <a:rPr lang="en-US" sz="1780" dirty="0">
+                <a:solidFill>
+                  <a:prstClr val="black"/>
+                </a:solidFill>
+                <a:latin typeface="Arial" panose="020B0604020202020204" pitchFamily="34" charset="0"/>
+                <a:cs typeface="Arial" panose="020B0604020202020204" pitchFamily="34" charset="0"/>
+              </a:rPr>
+              <a:t>LLMs' adaptability reduces overhead costs for UAV integration, leading to faster adoption and </a:t>
+            </a:r>
+            <a:r>
+              <a:rPr lang="en-US" sz="1780" b="1" dirty="0">
+                <a:solidFill>
+                  <a:prstClr val="black"/>
+                </a:solidFill>
+                <a:latin typeface="Arial" panose="020B0604020202020204" pitchFamily="34" charset="0"/>
+                <a:cs typeface="Arial" panose="020B0604020202020204" pitchFamily="34" charset="0"/>
+              </a:rPr>
+              <a:t>minimizing risks </a:t>
+            </a:r>
+            <a:r>
+              <a:rPr lang="en-US" sz="1780" dirty="0">
+                <a:solidFill>
+                  <a:prstClr val="black"/>
+                </a:solidFill>
+                <a:latin typeface="Arial" panose="020B0604020202020204" pitchFamily="34" charset="0"/>
+                <a:cs typeface="Arial" panose="020B0604020202020204" pitchFamily="34" charset="0"/>
+              </a:rPr>
+              <a:t>associated with complex deployments.</a:t>
             </a:r>
           </a:p>
         </p:txBody>
@@ -8835,49 +9081,6 @@
       </p:sp>
       <p:sp>
         <p:nvSpPr>
-          <p:cNvPr id="5" name="Rectangles 11">
-            <a:extLst>
-              <a:ext uri="{FF2B5EF4-FFF2-40B4-BE49-F238E27FC236}">
-                <a16:creationId xmlns:a16="http://schemas.microsoft.com/office/drawing/2014/main" id="{3C1A1912-9C43-5291-2A17-D08CE37914FA}"/>
-              </a:ext>
-            </a:extLst>
-          </p:cNvPr>
-          <p:cNvSpPr/>
-          <p:nvPr/>
-        </p:nvSpPr>
-        <p:spPr>
-          <a:xfrm>
-            <a:off x="164860" y="1127444"/>
-            <a:ext cx="6650563" cy="5047026"/>
-          </a:xfrm>
-          <a:prstGeom prst="rect">
-            <a:avLst/>
-          </a:prstGeom>
-        </p:spPr>
-        <p:style>
-          <a:lnRef idx="2">
-            <a:schemeClr val="accent1"/>
-          </a:lnRef>
-          <a:fillRef idx="0">
-            <a:srgbClr val="FFFFFF"/>
-          </a:fillRef>
-          <a:effectRef idx="0">
-            <a:srgbClr val="FFFFFF"/>
-          </a:effectRef>
-          <a:fontRef idx="minor">
-            <a:schemeClr val="tx1"/>
-          </a:fontRef>
-        </p:style>
-        <p:txBody>
-          <a:bodyPr/>
-          <a:lstStyle/>
-          <a:p>
-            <a:endParaRPr lang="en-US"/>
-          </a:p>
-        </p:txBody>
-      </p:sp>
-      <p:sp>
-        <p:nvSpPr>
           <p:cNvPr id="9" name="TextBox 8">
             <a:extLst>
               <a:ext uri="{FF2B5EF4-FFF2-40B4-BE49-F238E27FC236}">
@@ -8892,7 +9095,7 @@
         </p:nvSpPr>
         <p:spPr bwMode="auto">
           <a:xfrm>
-            <a:off x="6661298" y="1123745"/>
+            <a:off x="6106042" y="6905624"/>
             <a:ext cx="5263116" cy="5201424"/>
           </a:xfrm>
           <a:prstGeom prst="rect">
@@ -9015,49 +9218,36 @@
           </a:p>
         </p:txBody>
       </p:sp>
-      <p:sp>
-        <p:nvSpPr>
-          <p:cNvPr id="11" name="Rectangles 11">
+      <p:pic>
+        <p:nvPicPr>
+          <p:cNvPr id="12" name="Picture 11">
             <a:extLst>
               <a:ext uri="{FF2B5EF4-FFF2-40B4-BE49-F238E27FC236}">
-                <a16:creationId xmlns:a16="http://schemas.microsoft.com/office/drawing/2014/main" id="{30DA7B96-1BAA-5311-D9B4-F5E33B3F28DF}"/>
+                <a16:creationId xmlns:a16="http://schemas.microsoft.com/office/drawing/2014/main" id="{3D3DE5DE-1890-E695-2D8E-F80715826859}"/>
               </a:ext>
             </a:extLst>
           </p:cNvPr>
-          <p:cNvSpPr/>
+          <p:cNvPicPr>
+            <a:picLocks noChangeAspect="1"/>
+          </p:cNvPicPr>
           <p:nvPr/>
-        </p:nvSpPr>
+        </p:nvPicPr>
+        <p:blipFill>
+          <a:blip r:embed="rId4"/>
+          <a:stretch>
+            <a:fillRect/>
+          </a:stretch>
+        </p:blipFill>
         <p:spPr>
           <a:xfrm>
-            <a:off x="6998594" y="1127444"/>
-            <a:ext cx="5028546" cy="5047026"/>
+            <a:off x="-82820" y="943453"/>
+            <a:ext cx="4282680" cy="5203144"/>
           </a:xfrm>
           <a:prstGeom prst="rect">
             <a:avLst/>
           </a:prstGeom>
         </p:spPr>
-        <p:style>
-          <a:lnRef idx="2">
-            <a:schemeClr val="accent1"/>
-          </a:lnRef>
-          <a:fillRef idx="0">
-            <a:srgbClr val="FFFFFF"/>
-          </a:fillRef>
-          <a:effectRef idx="0">
-            <a:srgbClr val="FFFFFF"/>
-          </a:effectRef>
-          <a:fontRef idx="minor">
-            <a:schemeClr val="tx1"/>
-          </a:fontRef>
-        </p:style>
-        <p:txBody>
-          <a:bodyPr/>
-          <a:lstStyle/>
-          <a:p>
-            <a:endParaRPr lang="en-US"/>
-          </a:p>
-        </p:txBody>
-      </p:sp>
+      </p:pic>
     </p:spTree>
     <p:extLst>
       <p:ext uri="{BB962C8B-B14F-4D97-AF65-F5344CB8AC3E}">

--- a/Docs/PolluxPenguin-PPT.pptx
+++ b/Docs/PolluxPenguin-PPT.pptx
@@ -166,18 +166,56 @@
   <pc:docChgLst>
     <pc:chgData name="Aradhya Gaonkar" userId="1d52ee6f-e529-4a61-9239-f9e43a6526a6" providerId="ADAL" clId="{5B41E973-047A-4B83-A4A6-168929131D39}"/>
     <pc:docChg chg="undo redo custSel modSld">
-      <pc:chgData name="Aradhya Gaonkar" userId="1d52ee6f-e529-4a61-9239-f9e43a6526a6" providerId="ADAL" clId="{5B41E973-047A-4B83-A4A6-168929131D39}" dt="2024-09-16T17:58:45.768" v="327" actId="1076"/>
+      <pc:chgData name="Aradhya Gaonkar" userId="1d52ee6f-e529-4a61-9239-f9e43a6526a6" providerId="ADAL" clId="{5B41E973-047A-4B83-A4A6-168929131D39}" dt="2024-09-24T15:34:40.957" v="714" actId="20577"/>
       <pc:docMkLst>
         <pc:docMk/>
       </pc:docMkLst>
+      <pc:sldChg chg="modSp mod">
+        <pc:chgData name="Aradhya Gaonkar" userId="1d52ee6f-e529-4a61-9239-f9e43a6526a6" providerId="ADAL" clId="{5B41E973-047A-4B83-A4A6-168929131D39}" dt="2024-09-24T15:34:40.957" v="714" actId="20577"/>
+        <pc:sldMkLst>
+          <pc:docMk/>
+          <pc:sldMk cId="0" sldId="256"/>
+        </pc:sldMkLst>
+        <pc:spChg chg="mod">
+          <ac:chgData name="Aradhya Gaonkar" userId="1d52ee6f-e529-4a61-9239-f9e43a6526a6" providerId="ADAL" clId="{5B41E973-047A-4B83-A4A6-168929131D39}" dt="2024-09-24T15:34:40.957" v="714" actId="20577"/>
+          <ac:spMkLst>
+            <pc:docMk/>
+            <pc:sldMk cId="0" sldId="256"/>
+            <ac:spMk id="84" creationId="{00000000-0000-0000-0000-000000000000}"/>
+          </ac:spMkLst>
+        </pc:spChg>
+      </pc:sldChg>
+      <pc:sldChg chg="modSp mod">
+        <pc:chgData name="Aradhya Gaonkar" userId="1d52ee6f-e529-4a61-9239-f9e43a6526a6" providerId="ADAL" clId="{5B41E973-047A-4B83-A4A6-168929131D39}" dt="2024-09-24T15:23:04.768" v="564" actId="14100"/>
+        <pc:sldMkLst>
+          <pc:docMk/>
+          <pc:sldMk cId="0" sldId="281"/>
+        </pc:sldMkLst>
+        <pc:spChg chg="mod">
+          <ac:chgData name="Aradhya Gaonkar" userId="1d52ee6f-e529-4a61-9239-f9e43a6526a6" providerId="ADAL" clId="{5B41E973-047A-4B83-A4A6-168929131D39}" dt="2024-09-24T15:23:04.768" v="564" actId="14100"/>
+          <ac:spMkLst>
+            <pc:docMk/>
+            <pc:sldMk cId="0" sldId="281"/>
+            <ac:spMk id="2" creationId="{00000000-0000-0000-0000-000000000000}"/>
+          </ac:spMkLst>
+        </pc:spChg>
+        <pc:spChg chg="mod">
+          <ac:chgData name="Aradhya Gaonkar" userId="1d52ee6f-e529-4a61-9239-f9e43a6526a6" providerId="ADAL" clId="{5B41E973-047A-4B83-A4A6-168929131D39}" dt="2024-09-17T15:56:51.743" v="506" actId="20577"/>
+          <ac:spMkLst>
+            <pc:docMk/>
+            <pc:sldMk cId="0" sldId="281"/>
+            <ac:spMk id="14" creationId="{43D33906-7232-ACCD-BFFA-A59D18F1DE61}"/>
+          </ac:spMkLst>
+        </pc:spChg>
+      </pc:sldChg>
       <pc:sldChg chg="addSp modSp mod">
-        <pc:chgData name="Aradhya Gaonkar" userId="1d52ee6f-e529-4a61-9239-f9e43a6526a6" providerId="ADAL" clId="{5B41E973-047A-4B83-A4A6-168929131D39}" dt="2024-09-16T17:58:45.768" v="327" actId="1076"/>
+        <pc:chgData name="Aradhya Gaonkar" userId="1d52ee6f-e529-4a61-9239-f9e43a6526a6" providerId="ADAL" clId="{5B41E973-047A-4B83-A4A6-168929131D39}" dt="2024-09-24T15:29:06.560" v="659" actId="20577"/>
         <pc:sldMkLst>
           <pc:docMk/>
           <pc:sldMk cId="0" sldId="290"/>
         </pc:sldMkLst>
         <pc:spChg chg="add mod">
-          <ac:chgData name="Aradhya Gaonkar" userId="1d52ee6f-e529-4a61-9239-f9e43a6526a6" providerId="ADAL" clId="{5B41E973-047A-4B83-A4A6-168929131D39}" dt="2024-09-16T17:58:45.768" v="327" actId="1076"/>
+          <ac:chgData name="Aradhya Gaonkar" userId="1d52ee6f-e529-4a61-9239-f9e43a6526a6" providerId="ADAL" clId="{5B41E973-047A-4B83-A4A6-168929131D39}" dt="2024-09-17T15:51:14.671" v="331" actId="1076"/>
           <ac:spMkLst>
             <pc:docMk/>
             <pc:sldMk cId="0" sldId="290"/>
@@ -185,21 +223,147 @@
           </ac:spMkLst>
         </pc:spChg>
         <pc:spChg chg="add mod">
-          <ac:chgData name="Aradhya Gaonkar" userId="1d52ee6f-e529-4a61-9239-f9e43a6526a6" providerId="ADAL" clId="{5B41E973-047A-4B83-A4A6-168929131D39}" dt="2024-09-16T17:58:37.489" v="326" actId="2085"/>
+          <ac:chgData name="Aradhya Gaonkar" userId="1d52ee6f-e529-4a61-9239-f9e43a6526a6" providerId="ADAL" clId="{5B41E973-047A-4B83-A4A6-168929131D39}" dt="2024-09-17T15:51:14.671" v="331" actId="1076"/>
           <ac:spMkLst>
             <pc:docMk/>
             <pc:sldMk cId="0" sldId="290"/>
             <ac:spMk id="3" creationId="{E4FCF483-10A7-8488-DAA3-A0F55539216A}"/>
           </ac:spMkLst>
         </pc:spChg>
+        <pc:spChg chg="mod">
+          <ac:chgData name="Aradhya Gaonkar" userId="1d52ee6f-e529-4a61-9239-f9e43a6526a6" providerId="ADAL" clId="{5B41E973-047A-4B83-A4A6-168929131D39}" dt="2024-09-24T15:29:06.560" v="659" actId="20577"/>
+          <ac:spMkLst>
+            <pc:docMk/>
+            <pc:sldMk cId="0" sldId="290"/>
+            <ac:spMk id="4" creationId="{00000000-0000-0000-0000-000000000000}"/>
+          </ac:spMkLst>
+        </pc:spChg>
+        <pc:spChg chg="mod">
+          <ac:chgData name="Aradhya Gaonkar" userId="1d52ee6f-e529-4a61-9239-f9e43a6526a6" providerId="ADAL" clId="{5B41E973-047A-4B83-A4A6-168929131D39}" dt="2024-09-17T15:52:50.823" v="396" actId="14100"/>
+          <ac:spMkLst>
+            <pc:docMk/>
+            <pc:sldMk cId="0" sldId="290"/>
+            <ac:spMk id="5" creationId="{00000000-0000-0000-0000-000000000000}"/>
+          </ac:spMkLst>
+        </pc:spChg>
+        <pc:spChg chg="mod">
+          <ac:chgData name="Aradhya Gaonkar" userId="1d52ee6f-e529-4a61-9239-f9e43a6526a6" providerId="ADAL" clId="{5B41E973-047A-4B83-A4A6-168929131D39}" dt="2024-09-17T15:51:53.972" v="339" actId="14100"/>
+          <ac:spMkLst>
+            <pc:docMk/>
+            <pc:sldMk cId="0" sldId="290"/>
+            <ac:spMk id="12" creationId="{00000000-0000-0000-0000-000000000000}"/>
+          </ac:spMkLst>
+        </pc:spChg>
+        <pc:spChg chg="mod">
+          <ac:chgData name="Aradhya Gaonkar" userId="1d52ee6f-e529-4a61-9239-f9e43a6526a6" providerId="ADAL" clId="{5B41E973-047A-4B83-A4A6-168929131D39}" dt="2024-09-17T15:51:22.336" v="333" actId="1076"/>
+          <ac:spMkLst>
+            <pc:docMk/>
+            <pc:sldMk cId="0" sldId="290"/>
+            <ac:spMk id="33" creationId="{C62DCE8E-8455-E19C-BE0C-06E2312D9CEE}"/>
+          </ac:spMkLst>
+        </pc:spChg>
+        <pc:spChg chg="mod">
+          <ac:chgData name="Aradhya Gaonkar" userId="1d52ee6f-e529-4a61-9239-f9e43a6526a6" providerId="ADAL" clId="{5B41E973-047A-4B83-A4A6-168929131D39}" dt="2024-09-17T15:54:20.458" v="401" actId="1076"/>
+          <ac:spMkLst>
+            <pc:docMk/>
+            <pc:sldMk cId="0" sldId="290"/>
+            <ac:spMk id="34" creationId="{C841519E-1249-8E5A-CA0B-8603767FACE4}"/>
+          </ac:spMkLst>
+        </pc:spChg>
+        <pc:spChg chg="mod">
+          <ac:chgData name="Aradhya Gaonkar" userId="1d52ee6f-e529-4a61-9239-f9e43a6526a6" providerId="ADAL" clId="{5B41E973-047A-4B83-A4A6-168929131D39}" dt="2024-09-17T15:54:17.270" v="400" actId="1076"/>
+          <ac:spMkLst>
+            <pc:docMk/>
+            <pc:sldMk cId="0" sldId="290"/>
+            <ac:spMk id="35" creationId="{7D64BC54-CE73-ECE7-E821-AD45F25104F4}"/>
+          </ac:spMkLst>
+        </pc:spChg>
+        <pc:spChg chg="mod">
+          <ac:chgData name="Aradhya Gaonkar" userId="1d52ee6f-e529-4a61-9239-f9e43a6526a6" providerId="ADAL" clId="{5B41E973-047A-4B83-A4A6-168929131D39}" dt="2024-09-17T15:53:06.451" v="397" actId="1076"/>
+          <ac:spMkLst>
+            <pc:docMk/>
+            <pc:sldMk cId="0" sldId="290"/>
+            <ac:spMk id="37" creationId="{2DB1D3AE-5C69-DD9D-1C87-F983208FE321}"/>
+          </ac:spMkLst>
+        </pc:spChg>
+        <pc:spChg chg="mod">
+          <ac:chgData name="Aradhya Gaonkar" userId="1d52ee6f-e529-4a61-9239-f9e43a6526a6" providerId="ADAL" clId="{5B41E973-047A-4B83-A4A6-168929131D39}" dt="2024-09-17T15:50:54.338" v="330" actId="1076"/>
+          <ac:spMkLst>
+            <pc:docMk/>
+            <pc:sldMk cId="0" sldId="290"/>
+            <ac:spMk id="17409" creationId="{00000000-0000-0000-0000-000000000000}"/>
+          </ac:spMkLst>
+        </pc:spChg>
         <pc:picChg chg="mod">
-          <ac:chgData name="Aradhya Gaonkar" userId="1d52ee6f-e529-4a61-9239-f9e43a6526a6" providerId="ADAL" clId="{5B41E973-047A-4B83-A4A6-168929131D39}" dt="2024-09-16T17:58:17.267" v="322" actId="1076"/>
+          <ac:chgData name="Aradhya Gaonkar" userId="1d52ee6f-e529-4a61-9239-f9e43a6526a6" providerId="ADAL" clId="{5B41E973-047A-4B83-A4A6-168929131D39}" dt="2024-09-17T15:51:17.178" v="332" actId="14100"/>
+          <ac:picMkLst>
+            <pc:docMk/>
+            <pc:sldMk cId="0" sldId="290"/>
+            <ac:picMk id="8" creationId="{00000000-0000-0000-0000-000000000000}"/>
+          </ac:picMkLst>
+        </pc:picChg>
+        <pc:picChg chg="mod">
+          <ac:chgData name="Aradhya Gaonkar" userId="1d52ee6f-e529-4a61-9239-f9e43a6526a6" providerId="ADAL" clId="{5B41E973-047A-4B83-A4A6-168929131D39}" dt="2024-09-17T15:51:14.671" v="331" actId="1076"/>
           <ac:picMkLst>
             <pc:docMk/>
             <pc:sldMk cId="0" sldId="290"/>
             <ac:picMk id="32" creationId="{D3DD4B0C-B79F-BFFD-5AD0-2763B22F8FC4}"/>
           </ac:picMkLst>
         </pc:picChg>
+      </pc:sldChg>
+      <pc:sldChg chg="modSp mod">
+        <pc:chgData name="Aradhya Gaonkar" userId="1d52ee6f-e529-4a61-9239-f9e43a6526a6" providerId="ADAL" clId="{5B41E973-047A-4B83-A4A6-168929131D39}" dt="2024-09-24T15:32:23.575" v="689" actId="14100"/>
+        <pc:sldMkLst>
+          <pc:docMk/>
+          <pc:sldMk cId="0" sldId="293"/>
+        </pc:sldMkLst>
+        <pc:spChg chg="mod">
+          <ac:chgData name="Aradhya Gaonkar" userId="1d52ee6f-e529-4a61-9239-f9e43a6526a6" providerId="ADAL" clId="{5B41E973-047A-4B83-A4A6-168929131D39}" dt="2024-09-24T15:30:54.758" v="682" actId="20577"/>
+          <ac:spMkLst>
+            <pc:docMk/>
+            <pc:sldMk cId="0" sldId="293"/>
+            <ac:spMk id="2" creationId="{00000000-0000-0000-0000-000000000000}"/>
+          </ac:spMkLst>
+        </pc:spChg>
+        <pc:spChg chg="mod">
+          <ac:chgData name="Aradhya Gaonkar" userId="1d52ee6f-e529-4a61-9239-f9e43a6526a6" providerId="ADAL" clId="{5B41E973-047A-4B83-A4A6-168929131D39}" dt="2024-09-24T15:32:17.009" v="687" actId="14100"/>
+          <ac:spMkLst>
+            <pc:docMk/>
+            <pc:sldMk cId="0" sldId="293"/>
+            <ac:spMk id="9" creationId="{3BCFF1DA-B803-4441-0B73-B6CDAC97011E}"/>
+          </ac:spMkLst>
+        </pc:spChg>
+        <pc:spChg chg="mod">
+          <ac:chgData name="Aradhya Gaonkar" userId="1d52ee6f-e529-4a61-9239-f9e43a6526a6" providerId="ADAL" clId="{5B41E973-047A-4B83-A4A6-168929131D39}" dt="2024-09-24T15:32:19.717" v="688" actId="14100"/>
+          <ac:spMkLst>
+            <pc:docMk/>
+            <pc:sldMk cId="0" sldId="293"/>
+            <ac:spMk id="11" creationId="{2864742C-129E-2A81-45EE-ACD8303669AE}"/>
+          </ac:spMkLst>
+        </pc:spChg>
+        <pc:spChg chg="mod">
+          <ac:chgData name="Aradhya Gaonkar" userId="1d52ee6f-e529-4a61-9239-f9e43a6526a6" providerId="ADAL" clId="{5B41E973-047A-4B83-A4A6-168929131D39}" dt="2024-09-24T15:32:23.575" v="689" actId="14100"/>
+          <ac:spMkLst>
+            <pc:docMk/>
+            <pc:sldMk cId="0" sldId="293"/>
+            <ac:spMk id="17" creationId="{8EAB82D7-B584-AD94-99E3-32630D6BD890}"/>
+          </ac:spMkLst>
+        </pc:spChg>
+      </pc:sldChg>
+      <pc:sldChg chg="modSp mod">
+        <pc:chgData name="Aradhya Gaonkar" userId="1d52ee6f-e529-4a61-9239-f9e43a6526a6" providerId="ADAL" clId="{5B41E973-047A-4B83-A4A6-168929131D39}" dt="2024-09-17T16:10:30.612" v="546" actId="14100"/>
+        <pc:sldMkLst>
+          <pc:docMk/>
+          <pc:sldMk cId="0" sldId="296"/>
+        </pc:sldMkLst>
+        <pc:spChg chg="mod">
+          <ac:chgData name="Aradhya Gaonkar" userId="1d52ee6f-e529-4a61-9239-f9e43a6526a6" providerId="ADAL" clId="{5B41E973-047A-4B83-A4A6-168929131D39}" dt="2024-09-17T16:10:30.612" v="546" actId="14100"/>
+          <ac:spMkLst>
+            <pc:docMk/>
+            <pc:sldMk cId="0" sldId="296"/>
+            <ac:spMk id="17410" creationId="{00000000-0000-0000-0000-000000000000}"/>
+          </ac:spMkLst>
+        </pc:spChg>
       </pc:sldChg>
       <pc:sldChg chg="addSp delSp modSp mod">
         <pc:chgData name="Aradhya Gaonkar" userId="1d52ee6f-e529-4a61-9239-f9e43a6526a6" providerId="ADAL" clId="{5B41E973-047A-4B83-A4A6-168929131D39}" dt="2024-09-16T17:57:19.644" v="282" actId="113"/>
@@ -364,7 +528,7 @@
           <a:p>
             <a:fld id="{C4D5ADD5-2BBC-4A94-8F86-D9013941F742}" type="datetimeFigureOut">
               <a:rPr lang="en-US"/>
-              <a:t>9/16/2024</a:t>
+              <a:t>9/24/2024</a:t>
             </a:fld>
             <a:endParaRPr lang="en-US"/>
           </a:p>
@@ -1615,7 +1779,7 @@
           <a:p>
             <a:fld id="{E60792E3-D524-454C-8AFD-A91972900BCB}" type="datetime1">
               <a:rPr lang="en-US" smtClean="0"/>
-              <a:t>9/16/2024</a:t>
+              <a:t>9/24/2024</a:t>
             </a:fld>
             <a:endParaRPr lang="en-US"/>
           </a:p>
@@ -1796,7 +1960,7 @@
           <a:p>
             <a:fld id="{053C3A68-6922-42D3-8905-ECC2D82A3469}" type="datetime1">
               <a:rPr lang="en-US" smtClean="0"/>
-              <a:t>9/16/2024</a:t>
+              <a:t>9/24/2024</a:t>
             </a:fld>
             <a:endParaRPr lang="en-US"/>
           </a:p>
@@ -1987,7 +2151,7 @@
           <a:p>
             <a:fld id="{CB69E9F4-7604-4950-A8B2-8ACDEDB1506E}" type="datetime1">
               <a:rPr lang="en-US" smtClean="0"/>
-              <a:t>9/16/2024</a:t>
+              <a:t>9/24/2024</a:t>
             </a:fld>
             <a:endParaRPr lang="en-US"/>
           </a:p>
@@ -2168,7 +2332,7 @@
           <a:p>
             <a:fld id="{708B7524-32A2-4C20-A58C-BC3BAA1042FC}" type="datetime1">
               <a:rPr lang="en-US" smtClean="0"/>
-              <a:t>9/16/2024</a:t>
+              <a:t>9/24/2024</a:t>
             </a:fld>
             <a:endParaRPr lang="en-US"/>
           </a:p>
@@ -2426,7 +2590,7 @@
           <a:p>
             <a:fld id="{1E994447-D6B2-43BB-A877-57F1A267B999}" type="datetime1">
               <a:rPr lang="en-US" smtClean="0"/>
-              <a:t>9/16/2024</a:t>
+              <a:t>9/24/2024</a:t>
             </a:fld>
             <a:endParaRPr lang="en-US"/>
           </a:p>
@@ -2724,7 +2888,7 @@
           <a:p>
             <a:fld id="{68920E16-BD35-483C-AA6B-346FC7E46DEA}" type="datetime1">
               <a:rPr lang="en-US" smtClean="0"/>
-              <a:t>9/16/2024</a:t>
+              <a:t>9/24/2024</a:t>
             </a:fld>
             <a:endParaRPr lang="en-US"/>
           </a:p>
@@ -3156,7 +3320,7 @@
           <a:p>
             <a:fld id="{2FEAC6F8-5103-4FC0-A69E-5C6AE6469DA8}" type="datetime1">
               <a:rPr lang="en-US" smtClean="0"/>
-              <a:t>9/16/2024</a:t>
+              <a:t>9/24/2024</a:t>
             </a:fld>
             <a:endParaRPr lang="en-US"/>
           </a:p>
@@ -3286,7 +3450,7 @@
           <a:p>
             <a:fld id="{C60C6921-0627-4C8F-83D5-0CF936D2FFDD}" type="datetime1">
               <a:rPr lang="en-US" smtClean="0"/>
-              <a:t>9/16/2024</a:t>
+              <a:t>9/24/2024</a:t>
             </a:fld>
             <a:endParaRPr lang="en-US"/>
           </a:p>
@@ -3394,7 +3558,7 @@
           <a:p>
             <a:fld id="{2FF08AD7-8103-40F8-983C-E2BA6BB9CBE0}" type="datetime1">
               <a:rPr lang="en-US" smtClean="0"/>
-              <a:t>9/16/2024</a:t>
+              <a:t>9/24/2024</a:t>
             </a:fld>
             <a:endParaRPr lang="en-US"/>
           </a:p>
@@ -3682,7 +3846,7 @@
           <a:p>
             <a:fld id="{DF8C06B4-9380-4A4D-AF49-A3596E17DAF5}" type="datetime1">
               <a:rPr lang="en-US" smtClean="0"/>
-              <a:t>9/16/2024</a:t>
+              <a:t>9/24/2024</a:t>
             </a:fld>
             <a:endParaRPr lang="en-US"/>
           </a:p>
@@ -3950,7 +4114,7 @@
           <a:p>
             <a:fld id="{EF7FDEF1-C582-4E22-9E77-D68326471F28}" type="datetime1">
               <a:rPr lang="en-US" smtClean="0"/>
-              <a:t>9/16/2024</a:t>
+              <a:t>9/24/2024</a:t>
             </a:fld>
             <a:endParaRPr lang="en-US"/>
           </a:p>
@@ -4176,7 +4340,7 @@
           <a:p>
             <a:fld id="{780A9602-A9A9-453F-AEF1-37B5837E02CD}" type="datetime1">
               <a:rPr lang="en-US" smtClean="0"/>
-              <a:t>9/16/2024</a:t>
+              <a:t>9/24/2024</a:t>
             </a:fld>
             <a:endParaRPr lang="en-US"/>
           </a:p>
@@ -4754,7 +4918,7 @@
             </a:pPr>
             <a:r>
               <a:rPr lang="en-US" b="1" dirty="0"/>
-              <a:t>Title Page</a:t>
+              <a:t>PolluxPenguin</a:t>
             </a:r>
             <a:endParaRPr b="1" dirty="0"/>
           </a:p>
@@ -5355,8 +5519,8 @@
         </p:nvSpPr>
         <p:spPr>
           <a:xfrm>
-            <a:off x="497205" y="1227305"/>
-            <a:ext cx="5419090" cy="5016758"/>
+            <a:off x="393405" y="1227305"/>
+            <a:ext cx="5424667" cy="5016758"/>
           </a:xfrm>
           <a:prstGeom prst="rect">
             <a:avLst/>
@@ -5414,11 +5578,11 @@
             </a:r>
             <a:r>
               <a:rPr lang="en-US" b="1" dirty="0"/>
-              <a:t>AI-Enabled </a:t>
+              <a:t>AI-Enabled Agentic System</a:t>
             </a:r>
             <a:r>
               <a:rPr lang="en-US" dirty="0"/>
-              <a:t>System that aims at  </a:t>
+              <a:t> that aims at  </a:t>
             </a:r>
             <a:r>
               <a:rPr lang="en-US" b="1" dirty="0"/>
@@ -5744,7 +5908,27 @@
                 <a:ea typeface="Franklin Gothic Medium" panose="020B0603020102020204"/>
                 <a:cs typeface="Calibri" panose="020F0502020204030204" pitchFamily="34" charset="0"/>
               </a:rPr>
-              <a:t> a wide range of UAVs and hardware already used in many industries</a:t>
+              <a:t> a wide range of UAVs and hardware </a:t>
+            </a:r>
+            <a:r>
+              <a:rPr lang="en-IN" b="1" dirty="0">
+                <a:solidFill>
+                  <a:srgbClr val="000000"/>
+                </a:solidFill>
+                <a:ea typeface="Franklin Gothic Medium" panose="020B0603020102020204"/>
+                <a:cs typeface="Calibri" panose="020F0502020204030204" pitchFamily="34" charset="0"/>
+              </a:rPr>
+              <a:t>already used </a:t>
+            </a:r>
+            <a:r>
+              <a:rPr lang="en-IN" dirty="0">
+                <a:solidFill>
+                  <a:srgbClr val="000000"/>
+                </a:solidFill>
+                <a:ea typeface="Franklin Gothic Medium" panose="020B0603020102020204"/>
+                <a:cs typeface="Calibri" panose="020F0502020204030204" pitchFamily="34" charset="0"/>
+              </a:rPr>
+              <a:t>in many industries</a:t>
             </a:r>
             <a:endParaRPr sz="1800" dirty="0">
               <a:solidFill>
@@ -6191,7 +6375,7 @@
         <p:spPr>
           <a:xfrm>
             <a:off x="5916295" y="1567885"/>
-            <a:ext cx="5316278" cy="2185214"/>
+            <a:ext cx="5316278" cy="2062103"/>
           </a:xfrm>
           <a:prstGeom prst="rect">
             <a:avLst/>
@@ -6244,14 +6428,8 @@
             </a:pPr>
             <a:r>
               <a:rPr lang="en-IN" dirty="0"/>
-              <a:t>Dependence on technical experts</a:t>
-            </a:r>
-          </a:p>
-          <a:p>
-            <a:pPr marL="171450" indent="-171450">
-              <a:buFont typeface="Wingdings" panose="05000000000000000000" pitchFamily="2" charset="2"/>
-              <a:buChar char="v"/>
-            </a:pPr>
+              <a:t>D</a:t>
+            </a:r>
             <a:endParaRPr lang="en-IN" sz="500" dirty="0"/>
           </a:p>
           <a:p>
@@ -6483,8 +6661,8 @@
         </p:blipFill>
         <p:spPr>
           <a:xfrm>
-            <a:off x="10027227" y="-56"/>
-            <a:ext cx="2081648" cy="961215"/>
+            <a:off x="10069033" y="-55"/>
+            <a:ext cx="2039842" cy="882558"/>
           </a:xfrm>
           <a:prstGeom prst="rect">
             <a:avLst/>
@@ -6503,8 +6681,8 @@
         </p:nvSpPr>
         <p:spPr>
           <a:xfrm>
-            <a:off x="446231" y="1470661"/>
-            <a:ext cx="4067175" cy="4244340"/>
+            <a:off x="135722" y="1229590"/>
+            <a:ext cx="4514891" cy="4988649"/>
           </a:xfrm>
           <a:prstGeom prst="rect">
             <a:avLst/>
@@ -6517,22 +6695,20 @@
           <a:lstStyle/>
           <a:p>
             <a:r>
-              <a:rPr lang="en-US" b="1" u="sng" dirty="0"/>
-              <a:t>Algorithm</a:t>
-            </a:r>
-            <a:r>
-              <a:rPr b="1" u="sng" dirty="0"/>
-              <a:t> Development</a:t>
-            </a:r>
-            <a:r>
               <a:rPr lang="en-IN" b="1" u="sng" dirty="0"/>
-              <a:t>:</a:t>
+              <a:t>System Architecture Implementation:</a:t>
             </a:r>
           </a:p>
           <a:p>
             <a:r>
               <a:rPr lang="en-IN" sz="1600" dirty="0"/>
-              <a:t>Python and Bash are used to implement the entire system. LangChain is used to build the RAG system. YOLOv8 is used as the CNN*</a:t>
+              <a:t>Python and Bash- to implement the system core. LangChain - to build the RAG system. </a:t>
+            </a:r>
+          </a:p>
+          <a:p>
+            <a:r>
+              <a:rPr lang="en-IN" sz="1600" dirty="0"/>
+              <a:t>YOLOv8 is used as the CNN*</a:t>
             </a:r>
           </a:p>
           <a:p>
@@ -6564,7 +6740,24 @@
           <a:p>
             <a:r>
               <a:rPr lang="en-IN" sz="1600" dirty="0"/>
-              <a:t>Different Ports were written for proprietary LLMs (Google’s Gemini, OpenAI’s ChatGPT, their frontier and free-tier models) and other </a:t>
+              <a:t>Different Ports were written for </a:t>
+            </a:r>
+            <a:r>
+              <a:rPr lang="en-IN" sz="1600" u="sng" dirty="0"/>
+              <a:t>proprietary LLMs </a:t>
+            </a:r>
+            <a:r>
+              <a:rPr lang="en-IN" sz="1600" dirty="0"/>
+              <a:t>(Google’s Gemini, OpenAI’s ChatGPT, Anthropic’s Claude Sonnet, their frontier and free-tier models)</a:t>
+            </a:r>
+          </a:p>
+          <a:p>
+            <a:endParaRPr lang="en-IN" sz="1600" dirty="0"/>
+          </a:p>
+          <a:p>
+            <a:r>
+              <a:rPr lang="en-IN" sz="1600" dirty="0"/>
+              <a:t>and </a:t>
             </a:r>
             <a:r>
               <a:rPr lang="en-IN" sz="1600" b="1" dirty="0"/>
@@ -6572,8 +6765,26 @@
             </a:r>
             <a:r>
               <a:rPr lang="en-IN" sz="1600" dirty="0"/>
-              <a:t>(LLAMA 2, Phi2, QuenB2,  Mistral, etc)</a:t>
-            </a:r>
+              <a:t>(LLAMA 3.1, Phi2,  </a:t>
+            </a:r>
+            <a:r>
+              <a:rPr lang="en-IN" sz="1600" dirty="0" err="1"/>
+              <a:t>Mixtral</a:t>
+            </a:r>
+            <a:r>
+              <a:rPr lang="en-IN" sz="1600" dirty="0"/>
+              <a:t>, Llama 2, </a:t>
+            </a:r>
+            <a:r>
+              <a:rPr lang="en-IN" sz="1600" dirty="0" err="1"/>
+              <a:t>SmOL</a:t>
+            </a:r>
+            <a:r>
+              <a:rPr lang="en-IN" sz="1600" dirty="0"/>
+              <a:t> LM, etc)</a:t>
+            </a:r>
+          </a:p>
+          <a:p>
             <a:br>
               <a:rPr lang="en-IN" sz="800" dirty="0"/>
             </a:br>
@@ -6642,8 +6853,8 @@
         </p:nvSpPr>
         <p:spPr>
           <a:xfrm>
-            <a:off x="434975" y="1470660"/>
-            <a:ext cx="4027920" cy="4608830"/>
+            <a:off x="166616" y="1229591"/>
+            <a:ext cx="4483998" cy="4959278"/>
           </a:xfrm>
           <a:prstGeom prst="rect">
             <a:avLst/>
@@ -6695,7 +6906,7 @@
         </p:blipFill>
         <p:spPr>
           <a:xfrm>
-            <a:off x="4639542" y="1142944"/>
+            <a:off x="4846494" y="1122993"/>
             <a:ext cx="7292686" cy="5204151"/>
           </a:xfrm>
         </p:spPr>
@@ -6708,8 +6919,8 @@
         </p:nvSpPr>
         <p:spPr>
           <a:xfrm>
-            <a:off x="4589031" y="1052185"/>
-            <a:ext cx="3868981" cy="461665"/>
+            <a:off x="4934590" y="1139814"/>
+            <a:ext cx="3194002" cy="461665"/>
           </a:xfrm>
           <a:prstGeom prst="rect">
             <a:avLst/>
@@ -6744,6 +6955,1472 @@
             <a:extLst>
               <a:ext uri="{FF2B5EF4-FFF2-40B4-BE49-F238E27FC236}">
                 <a16:creationId xmlns:a16="http://schemas.microsoft.com/office/drawing/2014/main" id="{C62DCE8E-8455-E19C-BE0C-06E2312D9CEE}"/>
+              </a:ext>
+            </a:extLst>
+          </p:cNvPr>
+          <p:cNvSpPr/>
+          <p:nvPr/>
+        </p:nvSpPr>
+        <p:spPr>
+          <a:xfrm>
+            <a:off x="166616" y="122397"/>
+            <a:ext cx="2246575" cy="807085"/>
+          </a:xfrm>
+          <a:prstGeom prst="ellipse">
+            <a:avLst/>
+          </a:prstGeom>
+          <a:ln>
+            <a:solidFill>
+              <a:schemeClr val="tx1"/>
+            </a:solidFill>
+          </a:ln>
+        </p:spPr>
+        <p:style>
+          <a:lnRef idx="2">
+            <a:schemeClr val="accent4"/>
+          </a:lnRef>
+          <a:fillRef idx="1">
+            <a:schemeClr val="lt1"/>
+          </a:fillRef>
+          <a:effectRef idx="0">
+            <a:schemeClr val="accent4"/>
+          </a:effectRef>
+          <a:fontRef idx="minor">
+            <a:schemeClr val="dk1"/>
+          </a:fontRef>
+        </p:style>
+        <p:txBody>
+          <a:bodyPr rtlCol="0" anchor="ctr"/>
+          <a:lstStyle/>
+          <a:p>
+            <a:pPr algn="ctr"/>
+            <a:r>
+              <a:rPr lang="en-US" b="1" dirty="0">
+                <a:solidFill>
+                  <a:srgbClr val="7030A0"/>
+                </a:solidFill>
+              </a:rPr>
+              <a:t>Pollux</a:t>
+            </a:r>
+            <a:r>
+              <a:rPr lang="en-US" b="1" dirty="0">
+                <a:solidFill>
+                  <a:schemeClr val="tx1"/>
+                </a:solidFill>
+              </a:rPr>
+              <a:t>Pe</a:t>
+            </a:r>
+            <a:r>
+              <a:rPr lang="en-US" b="1" dirty="0">
+                <a:solidFill>
+                  <a:schemeClr val="accent6"/>
+                </a:solidFill>
+              </a:rPr>
+              <a:t>ng</a:t>
+            </a:r>
+            <a:r>
+              <a:rPr lang="en-US" b="1" dirty="0"/>
+              <a:t>uin</a:t>
+            </a:r>
+            <a:endParaRPr lang="en-IN" b="1" dirty="0"/>
+          </a:p>
+        </p:txBody>
+      </p:sp>
+      <p:sp>
+        <p:nvSpPr>
+          <p:cNvPr id="35" name="Rectangle 34">
+            <a:extLst>
+              <a:ext uri="{FF2B5EF4-FFF2-40B4-BE49-F238E27FC236}">
+                <a16:creationId xmlns:a16="http://schemas.microsoft.com/office/drawing/2014/main" id="{7D64BC54-CE73-ECE7-E821-AD45F25104F4}"/>
+              </a:ext>
+            </a:extLst>
+          </p:cNvPr>
+          <p:cNvSpPr/>
+          <p:nvPr/>
+        </p:nvSpPr>
+        <p:spPr>
+          <a:xfrm>
+            <a:off x="9723345" y="5840108"/>
+            <a:ext cx="179110" cy="100674"/>
+          </a:xfrm>
+          <a:prstGeom prst="rect">
+            <a:avLst/>
+          </a:prstGeom>
+          <a:ln>
+            <a:noFill/>
+          </a:ln>
+        </p:spPr>
+        <p:style>
+          <a:lnRef idx="2">
+            <a:schemeClr val="dk1"/>
+          </a:lnRef>
+          <a:fillRef idx="1">
+            <a:schemeClr val="lt1"/>
+          </a:fillRef>
+          <a:effectRef idx="0">
+            <a:schemeClr val="dk1"/>
+          </a:effectRef>
+          <a:fontRef idx="minor">
+            <a:schemeClr val="dk1"/>
+          </a:fontRef>
+        </p:style>
+        <p:txBody>
+          <a:bodyPr rtlCol="0" anchor="ctr"/>
+          <a:lstStyle/>
+          <a:p>
+            <a:pPr algn="ctr"/>
+            <a:endParaRPr lang="en-IN"/>
+          </a:p>
+        </p:txBody>
+      </p:sp>
+      <p:sp>
+        <p:nvSpPr>
+          <p:cNvPr id="34" name="TextBox 33">
+            <a:extLst>
+              <a:ext uri="{FF2B5EF4-FFF2-40B4-BE49-F238E27FC236}">
+                <a16:creationId xmlns:a16="http://schemas.microsoft.com/office/drawing/2014/main" id="{C841519E-1249-8E5A-CA0B-8603767FACE4}"/>
+              </a:ext>
+            </a:extLst>
+          </p:cNvPr>
+          <p:cNvSpPr txBox="1"/>
+          <p:nvPr/>
+        </p:nvSpPr>
+        <p:spPr>
+          <a:xfrm>
+            <a:off x="9646322" y="5735007"/>
+            <a:ext cx="333156" cy="276999"/>
+          </a:xfrm>
+          <a:prstGeom prst="rect">
+            <a:avLst/>
+          </a:prstGeom>
+          <a:noFill/>
+        </p:spPr>
+        <p:txBody>
+          <a:bodyPr wrap="square" rtlCol="0">
+            <a:spAutoFit/>
+          </a:bodyPr>
+          <a:lstStyle/>
+          <a:p>
+            <a:r>
+              <a:rPr lang="en-US" sz="1200" b="1" dirty="0">
+                <a:solidFill>
+                  <a:schemeClr val="tx1">
+                    <a:lumMod val="75000"/>
+                    <a:lumOff val="25000"/>
+                  </a:schemeClr>
+                </a:solidFill>
+              </a:rPr>
+              <a:t>to</a:t>
+            </a:r>
+            <a:endParaRPr lang="en-IN" sz="1200" b="1" dirty="0">
+              <a:solidFill>
+                <a:schemeClr val="tx1">
+                  <a:lumMod val="75000"/>
+                  <a:lumOff val="25000"/>
+                </a:schemeClr>
+              </a:solidFill>
+            </a:endParaRPr>
+          </a:p>
+        </p:txBody>
+      </p:sp>
+      <p:sp>
+        <p:nvSpPr>
+          <p:cNvPr id="36" name="TextBox 35">
+            <a:extLst>
+              <a:ext uri="{FF2B5EF4-FFF2-40B4-BE49-F238E27FC236}">
+                <a16:creationId xmlns:a16="http://schemas.microsoft.com/office/drawing/2014/main" id="{072F695E-9D3F-824C-C280-5A77913AFB99}"/>
+              </a:ext>
+            </a:extLst>
+          </p:cNvPr>
+          <p:cNvSpPr txBox="1"/>
+          <p:nvPr/>
+        </p:nvSpPr>
+        <p:spPr>
+          <a:xfrm>
+            <a:off x="0" y="6488978"/>
+            <a:ext cx="2579809" cy="553998"/>
+          </a:xfrm>
+          <a:prstGeom prst="rect">
+            <a:avLst/>
+          </a:prstGeom>
+          <a:noFill/>
+        </p:spPr>
+        <p:txBody>
+          <a:bodyPr wrap="none" rtlCol="0">
+            <a:spAutoFit/>
+          </a:bodyPr>
+          <a:lstStyle/>
+          <a:p>
+            <a:r>
+              <a:rPr lang="en-IN" sz="1200" dirty="0"/>
+              <a:t>*CNN = Convolutional Neural Network</a:t>
+            </a:r>
+          </a:p>
+          <a:p>
+            <a:endParaRPr lang="en-IN" dirty="0"/>
+          </a:p>
+        </p:txBody>
+      </p:sp>
+      <p:sp>
+        <p:nvSpPr>
+          <p:cNvPr id="37" name="TextBox 36">
+            <a:extLst>
+              <a:ext uri="{FF2B5EF4-FFF2-40B4-BE49-F238E27FC236}">
+                <a16:creationId xmlns:a16="http://schemas.microsoft.com/office/drawing/2014/main" id="{2DB1D3AE-5C69-DD9D-1C87-F983208FE321}"/>
+              </a:ext>
+            </a:extLst>
+          </p:cNvPr>
+          <p:cNvSpPr txBox="1"/>
+          <p:nvPr/>
+        </p:nvSpPr>
+        <p:spPr>
+          <a:xfrm>
+            <a:off x="9265119" y="2035343"/>
+            <a:ext cx="261610" cy="276999"/>
+          </a:xfrm>
+          <a:prstGeom prst="rect">
+            <a:avLst/>
+          </a:prstGeom>
+          <a:noFill/>
+        </p:spPr>
+        <p:txBody>
+          <a:bodyPr wrap="none" rtlCol="0">
+            <a:spAutoFit/>
+          </a:bodyPr>
+          <a:lstStyle/>
+          <a:p>
+            <a:r>
+              <a:rPr lang="en-US" sz="1200" dirty="0"/>
+              <a:t>*</a:t>
+            </a:r>
+            <a:endParaRPr lang="en-IN" sz="1200" dirty="0"/>
+          </a:p>
+        </p:txBody>
+      </p:sp>
+      <p:sp>
+        <p:nvSpPr>
+          <p:cNvPr id="2" name="TextBox 1">
+            <a:extLst>
+              <a:ext uri="{FF2B5EF4-FFF2-40B4-BE49-F238E27FC236}">
+                <a16:creationId xmlns:a16="http://schemas.microsoft.com/office/drawing/2014/main" id="{D1492500-2CB9-3DB2-C714-CDC28C760A11}"/>
+              </a:ext>
+            </a:extLst>
+          </p:cNvPr>
+          <p:cNvSpPr txBox="1"/>
+          <p:nvPr/>
+        </p:nvSpPr>
+        <p:spPr>
+          <a:xfrm>
+            <a:off x="6061335" y="2219620"/>
+            <a:ext cx="1253420" cy="369332"/>
+          </a:xfrm>
+          <a:prstGeom prst="rect">
+            <a:avLst/>
+          </a:prstGeom>
+          <a:noFill/>
+        </p:spPr>
+        <p:txBody>
+          <a:bodyPr wrap="none" rtlCol="0">
+            <a:spAutoFit/>
+          </a:bodyPr>
+          <a:lstStyle/>
+          <a:p>
+            <a:r>
+              <a:rPr lang="en-IN" dirty="0">
+                <a:solidFill>
+                  <a:schemeClr val="bg1"/>
+                </a:solidFill>
+              </a:rPr>
+              <a:t>WebApp UI</a:t>
+            </a:r>
+          </a:p>
+        </p:txBody>
+      </p:sp>
+      <p:sp>
+        <p:nvSpPr>
+          <p:cNvPr id="3" name="Rectangle 2">
+            <a:extLst>
+              <a:ext uri="{FF2B5EF4-FFF2-40B4-BE49-F238E27FC236}">
+                <a16:creationId xmlns:a16="http://schemas.microsoft.com/office/drawing/2014/main" id="{E4FCF483-10A7-8488-DAA3-A0F55539216A}"/>
+              </a:ext>
+            </a:extLst>
+          </p:cNvPr>
+          <p:cNvSpPr/>
+          <p:nvPr/>
+        </p:nvSpPr>
+        <p:spPr>
+          <a:xfrm>
+            <a:off x="4996919" y="3314673"/>
+            <a:ext cx="1244010" cy="614895"/>
+          </a:xfrm>
+          <a:prstGeom prst="rect">
+            <a:avLst/>
+          </a:prstGeom>
+          <a:ln>
+            <a:noFill/>
+          </a:ln>
+        </p:spPr>
+        <p:style>
+          <a:lnRef idx="2">
+            <a:schemeClr val="dk1"/>
+          </a:lnRef>
+          <a:fillRef idx="1">
+            <a:schemeClr val="lt1"/>
+          </a:fillRef>
+          <a:effectRef idx="0">
+            <a:schemeClr val="dk1"/>
+          </a:effectRef>
+          <a:fontRef idx="minor">
+            <a:schemeClr val="dk1"/>
+          </a:fontRef>
+        </p:style>
+        <p:txBody>
+          <a:bodyPr rtlCol="0" anchor="ctr"/>
+          <a:lstStyle/>
+          <a:p>
+            <a:pPr algn="ctr"/>
+            <a:endParaRPr lang="en-IN"/>
+          </a:p>
+        </p:txBody>
+      </p:sp>
+    </p:spTree>
+  </p:cSld>
+  <p:clrMapOvr>
+    <a:masterClrMapping/>
+  </p:clrMapOvr>
+</p:sld>
+</file>
+
+<file path=ppt/slides/slide4.xml><?xml version="1.0" encoding="utf-8"?>
+<p:sld xmlns:a="http://schemas.openxmlformats.org/drawingml/2006/main" xmlns:r="http://schemas.openxmlformats.org/officeDocument/2006/relationships" xmlns:p="http://schemas.openxmlformats.org/presentationml/2006/main">
+  <p:cSld>
+    <p:spTree>
+      <p:nvGrpSpPr>
+        <p:cNvPr id="1" name=""/>
+        <p:cNvGrpSpPr/>
+        <p:nvPr/>
+      </p:nvGrpSpPr>
+      <p:grpSpPr>
+        <a:xfrm>
+          <a:off x="0" y="0"/>
+          <a:ext cx="0" cy="0"/>
+          <a:chOff x="0" y="0"/>
+          <a:chExt cx="0" cy="0"/>
+        </a:xfrm>
+      </p:grpSpPr>
+      <p:sp>
+        <p:nvSpPr>
+          <p:cNvPr id="10" name="Rectangle 9"/>
+          <p:cNvSpPr>
+            <a:spLocks noChangeArrowheads="1"/>
+          </p:cNvSpPr>
+          <p:nvPr/>
+        </p:nvSpPr>
+        <p:spPr bwMode="auto">
+          <a:xfrm>
+            <a:off x="0" y="6354762"/>
+            <a:ext cx="12191999" cy="503238"/>
+          </a:xfrm>
+          <a:prstGeom prst="rect">
+            <a:avLst/>
+          </a:prstGeom>
+          <a:solidFill>
+            <a:srgbClr val="0070C0"/>
+          </a:solidFill>
+          <a:ln w="9525">
+            <a:noFill/>
+            <a:miter lim="800000"/>
+          </a:ln>
+          <a:effectLst>
+            <a:outerShdw dist="23000" dir="5400000" rotWithShape="0">
+              <a:srgbClr val="808080">
+                <a:alpha val="34999"/>
+              </a:srgbClr>
+            </a:outerShdw>
+          </a:effectLst>
+        </p:spPr>
+        <p:txBody>
+          <a:bodyPr anchor="ctr"/>
+          <a:lstStyle/>
+          <a:p>
+            <a:pPr marL="0" marR="0" lvl="0" indent="0" algn="ctr" defTabSz="457200" rtl="0" eaLnBrk="1" fontAlgn="auto" latinLnBrk="0" hangingPunct="1">
+              <a:lnSpc>
+                <a:spcPct val="100000"/>
+              </a:lnSpc>
+              <a:spcBef>
+                <a:spcPts val="0"/>
+              </a:spcBef>
+              <a:spcAft>
+                <a:spcPts val="0"/>
+              </a:spcAft>
+              <a:buClrTx/>
+              <a:buSzTx/>
+              <a:buFontTx/>
+              <a:buNone/>
+              <a:defRPr/>
+            </a:pPr>
+            <a:endParaRPr kumimoji="0" lang="en-US" sz="1800" b="0" i="0" u="none" strike="noStrike" kern="1200" cap="none" spc="0" normalizeH="0" baseline="0" noProof="0" dirty="0">
+              <a:ln>
+                <a:noFill/>
+              </a:ln>
+              <a:solidFill>
+                <a:srgbClr val="C0504D">
+                  <a:lumMod val="75000"/>
+                </a:srgbClr>
+              </a:solidFill>
+              <a:effectLst/>
+              <a:uLnTx/>
+              <a:uFillTx/>
+              <a:latin typeface="Calibri" panose="020F0502020204030204"/>
+              <a:ea typeface="MS PGothic" panose="020B0600070205080204" pitchFamily="1" charset="-128"/>
+              <a:cs typeface="+mn-cs"/>
+            </a:endParaRPr>
+          </a:p>
+        </p:txBody>
+      </p:sp>
+      <p:sp>
+        <p:nvSpPr>
+          <p:cNvPr id="17409" name="Title 1"/>
+          <p:cNvSpPr>
+            <a:spLocks noGrp="1"/>
+          </p:cNvSpPr>
+          <p:nvPr>
+            <p:ph type="title"/>
+          </p:nvPr>
+        </p:nvSpPr>
+        <p:spPr>
+          <a:xfrm>
+            <a:off x="609600" y="81280"/>
+            <a:ext cx="10972800" cy="1143000"/>
+          </a:xfrm>
+        </p:spPr>
+        <p:txBody>
+          <a:bodyPr/>
+          <a:lstStyle/>
+          <a:p>
+            <a:pPr eaLnBrk="1" hangingPunct="1"/>
+            <a:r>
+              <a:rPr lang="en-US" sz="3600" b="1" dirty="0">
+                <a:latin typeface="Times New Roman" panose="02020603050405020304" pitchFamily="18" charset="0"/>
+                <a:ea typeface="MS PGothic" panose="020B0600070205080204" pitchFamily="1" charset="-128"/>
+                <a:cs typeface="Times New Roman" panose="02020603050405020304" pitchFamily="18" charset="0"/>
+              </a:rPr>
+              <a:t>FEASIBILITY AND VIABILITY</a:t>
+            </a:r>
+          </a:p>
+        </p:txBody>
+      </p:sp>
+      <p:sp>
+        <p:nvSpPr>
+          <p:cNvPr id="6" name="Slide Number Placeholder 5"/>
+          <p:cNvSpPr>
+            <a:spLocks noGrp="1"/>
+          </p:cNvSpPr>
+          <p:nvPr>
+            <p:ph type="sldNum" sz="quarter" idx="12"/>
+          </p:nvPr>
+        </p:nvSpPr>
+        <p:spPr/>
+        <p:txBody>
+          <a:bodyPr/>
+          <a:lstStyle/>
+          <a:p>
+            <a:pPr marL="0" marR="0" lvl="0" indent="0" algn="r" defTabSz="457200" rtl="0" eaLnBrk="1" fontAlgn="base" latinLnBrk="0" hangingPunct="1">
+              <a:lnSpc>
+                <a:spcPct val="100000"/>
+              </a:lnSpc>
+              <a:spcBef>
+                <a:spcPct val="0"/>
+              </a:spcBef>
+              <a:spcAft>
+                <a:spcPct val="0"/>
+              </a:spcAft>
+              <a:buClrTx/>
+              <a:buSzTx/>
+              <a:buFontTx/>
+              <a:buNone/>
+              <a:defRPr/>
+            </a:pPr>
+            <a:fld id="{677C3CE7-23F7-4828-823C-E0205DF2CF97}" type="slidenum">
+              <a:rPr kumimoji="0" lang="en-US" sz="1200" b="1" i="0" u="none" strike="noStrike" kern="1200" cap="none" spc="0" normalizeH="0" baseline="0" noProof="0">
+                <a:ln>
+                  <a:noFill/>
+                </a:ln>
+                <a:solidFill>
+                  <a:prstClr val="white"/>
+                </a:solidFill>
+                <a:effectLst/>
+                <a:uLnTx/>
+                <a:uFillTx/>
+                <a:latin typeface="TradeGothic" pitchFamily="1" charset="0"/>
+                <a:ea typeface="MS PGothic" panose="020B0600070205080204" pitchFamily="1" charset="-128"/>
+                <a:cs typeface="+mn-cs"/>
+              </a:rPr>
+              <a:t>4</a:t>
+            </a:fld>
+            <a:endParaRPr kumimoji="0" lang="en-US" sz="1200" b="1" i="0" u="none" strike="noStrike" kern="1200" cap="none" spc="0" normalizeH="0" baseline="0" noProof="0" dirty="0">
+              <a:ln>
+                <a:noFill/>
+              </a:ln>
+              <a:solidFill>
+                <a:prstClr val="white"/>
+              </a:solidFill>
+              <a:effectLst/>
+              <a:uLnTx/>
+              <a:uFillTx/>
+              <a:latin typeface="TradeGothic" pitchFamily="1" charset="0"/>
+              <a:ea typeface="MS PGothic" panose="020B0600070205080204" pitchFamily="1" charset="-128"/>
+              <a:cs typeface="+mn-cs"/>
+            </a:endParaRPr>
+          </a:p>
+        </p:txBody>
+      </p:sp>
+      <p:sp>
+        <p:nvSpPr>
+          <p:cNvPr id="7" name="Footer Placeholder 6"/>
+          <p:cNvSpPr>
+            <a:spLocks noGrp="1"/>
+          </p:cNvSpPr>
+          <p:nvPr>
+            <p:ph type="ftr" sz="quarter" idx="11"/>
+          </p:nvPr>
+        </p:nvSpPr>
+        <p:spPr>
+          <a:xfrm>
+            <a:off x="4648200" y="6356353"/>
+            <a:ext cx="3204000" cy="365125"/>
+          </a:xfrm>
+        </p:spPr>
+        <p:txBody>
+          <a:bodyPr/>
+          <a:lstStyle/>
+          <a:p>
+            <a:pPr marL="0" marR="0" lvl="0" indent="0" algn="ctr" defTabSz="457200" rtl="0" eaLnBrk="1" fontAlgn="auto" latinLnBrk="0" hangingPunct="1">
+              <a:lnSpc>
+                <a:spcPct val="100000"/>
+              </a:lnSpc>
+              <a:spcBef>
+                <a:spcPts val="0"/>
+              </a:spcBef>
+              <a:spcAft>
+                <a:spcPts val="0"/>
+              </a:spcAft>
+              <a:buClrTx/>
+              <a:buSzTx/>
+              <a:buFontTx/>
+              <a:buNone/>
+              <a:defRPr/>
+            </a:pPr>
+            <a:r>
+              <a:rPr kumimoji="0" lang="en-US" sz="1200" b="0" i="0" u="none" strike="noStrike" kern="1200" cap="none" spc="0" normalizeH="0" baseline="0" noProof="0" dirty="0">
+                <a:ln>
+                  <a:noFill/>
+                </a:ln>
+                <a:solidFill>
+                  <a:prstClr val="white"/>
+                </a:solidFill>
+                <a:effectLst/>
+                <a:uLnTx/>
+                <a:uFillTx/>
+                <a:latin typeface="TradeGothic"/>
+                <a:ea typeface="+mn-ea"/>
+                <a:cs typeface="+mn-cs"/>
+              </a:rPr>
+              <a:t>@SIH Idea submission</a:t>
+            </a:r>
+          </a:p>
+        </p:txBody>
+      </p:sp>
+      <p:pic>
+        <p:nvPicPr>
+          <p:cNvPr id="8" name="Google Shape;93;p2"/>
+          <p:cNvPicPr preferRelativeResize="0"/>
+          <p:nvPr/>
+        </p:nvPicPr>
+        <p:blipFill rotWithShape="1">
+          <a:blip r:embed="rId3"/>
+          <a:srcRect/>
+          <a:stretch>
+            <a:fillRect/>
+          </a:stretch>
+        </p:blipFill>
+        <p:spPr>
+          <a:xfrm>
+            <a:off x="9803911" y="81376"/>
+            <a:ext cx="2246575" cy="1149075"/>
+          </a:xfrm>
+          <a:prstGeom prst="rect">
+            <a:avLst/>
+          </a:prstGeom>
+          <a:noFill/>
+          <a:ln>
+            <a:noFill/>
+          </a:ln>
+        </p:spPr>
+      </p:pic>
+      <p:sp>
+        <p:nvSpPr>
+          <p:cNvPr id="2" name="TextBox 8"/>
+          <p:cNvSpPr txBox="1">
+            <a:spLocks noChangeArrowheads="1"/>
+          </p:cNvSpPr>
+          <p:nvPr/>
+        </p:nvSpPr>
+        <p:spPr bwMode="auto">
+          <a:xfrm>
+            <a:off x="537000" y="1213497"/>
+            <a:ext cx="5843541" cy="4601260"/>
+          </a:xfrm>
+          <a:prstGeom prst="rect">
+            <a:avLst/>
+          </a:prstGeom>
+          <a:noFill/>
+          <a:ln w="9525">
+            <a:noFill/>
+            <a:miter lim="800000"/>
+          </a:ln>
+        </p:spPr>
+        <p:txBody>
+          <a:bodyPr wrap="square">
+            <a:spAutoFit/>
+          </a:bodyPr>
+          <a:lstStyle/>
+          <a:p>
+            <a:pPr algn="just">
+              <a:defRPr/>
+            </a:pPr>
+            <a:r>
+              <a:rPr lang="en-US" sz="2400" b="1" u="sng" dirty="0">
+                <a:solidFill>
+                  <a:prstClr val="black"/>
+                </a:solidFill>
+                <a:latin typeface="Arial" panose="020B0604020202020204" pitchFamily="34" charset="0"/>
+                <a:cs typeface="Arial" panose="020B0604020202020204" pitchFamily="34" charset="0"/>
+              </a:rPr>
+              <a:t>Feasibility:</a:t>
+            </a:r>
+          </a:p>
+          <a:p>
+            <a:pPr algn="just">
+              <a:defRPr/>
+            </a:pPr>
+            <a:endParaRPr lang="en-US" sz="800" b="1" dirty="0">
+              <a:solidFill>
+                <a:prstClr val="black"/>
+              </a:solidFill>
+              <a:latin typeface="Arial" panose="020B0604020202020204" pitchFamily="34" charset="0"/>
+              <a:cs typeface="Arial" panose="020B0604020202020204" pitchFamily="34" charset="0"/>
+            </a:endParaRPr>
+          </a:p>
+          <a:p>
+            <a:pPr marL="342900" indent="-342900" algn="just">
+              <a:buFont typeface="Arial" panose="020B0604020202020204" pitchFamily="34" charset="0"/>
+              <a:buChar char="•"/>
+              <a:defRPr/>
+            </a:pPr>
+            <a:r>
+              <a:rPr lang="en-US" sz="2000" b="1" dirty="0">
+                <a:solidFill>
+                  <a:prstClr val="black"/>
+                </a:solidFill>
+                <a:latin typeface="Arial" panose="020B0604020202020204" pitchFamily="34" charset="0"/>
+                <a:cs typeface="Arial" panose="020B0604020202020204" pitchFamily="34" charset="0"/>
+              </a:rPr>
+              <a:t>Technical: </a:t>
+            </a:r>
+            <a:r>
+              <a:rPr lang="en-US" sz="2000" dirty="0">
+                <a:solidFill>
+                  <a:prstClr val="black"/>
+                </a:solidFill>
+                <a:latin typeface="Arial" panose="020B0604020202020204" pitchFamily="34" charset="0"/>
+                <a:cs typeface="Arial" panose="020B0604020202020204" pitchFamily="34" charset="0"/>
+              </a:rPr>
+              <a:t>Integrating LLM with RAG for MAVLink* is feasible due to its </a:t>
+            </a:r>
+            <a:r>
+              <a:rPr lang="en-US" sz="2000" u="sng" dirty="0">
+                <a:solidFill>
+                  <a:prstClr val="black"/>
+                </a:solidFill>
+                <a:latin typeface="Arial" panose="020B0604020202020204" pitchFamily="34" charset="0"/>
+                <a:cs typeface="Arial" panose="020B0604020202020204" pitchFamily="34" charset="0"/>
+              </a:rPr>
+              <a:t>simple structure</a:t>
+            </a:r>
+            <a:r>
+              <a:rPr lang="en-US" sz="2000" dirty="0">
+                <a:solidFill>
+                  <a:prstClr val="black"/>
+                </a:solidFill>
+                <a:latin typeface="Arial" panose="020B0604020202020204" pitchFamily="34" charset="0"/>
+                <a:cs typeface="Arial" panose="020B0604020202020204" pitchFamily="34" charset="0"/>
+              </a:rPr>
+              <a:t>. Vision capability boosts navigation, and natural language input enables scalability across </a:t>
+            </a:r>
+            <a:r>
+              <a:rPr lang="en-US" sz="2000" b="1" dirty="0">
+                <a:solidFill>
+                  <a:prstClr val="black"/>
+                </a:solidFill>
+                <a:latin typeface="Arial" panose="020B0604020202020204" pitchFamily="34" charset="0"/>
+                <a:cs typeface="Arial" panose="020B0604020202020204" pitchFamily="34" charset="0"/>
+              </a:rPr>
+              <a:t>virtually every industry using UAVs.</a:t>
+            </a:r>
+          </a:p>
+          <a:p>
+            <a:pPr marL="342900" indent="-342900" algn="just">
+              <a:buFont typeface="Arial" panose="020B0604020202020204" pitchFamily="34" charset="0"/>
+              <a:buChar char="•"/>
+              <a:defRPr/>
+            </a:pPr>
+            <a:endParaRPr lang="en-IN" sz="1050" dirty="0"/>
+          </a:p>
+          <a:p>
+            <a:pPr marL="342900" indent="-342900">
+              <a:buFont typeface="Arial" panose="020B0604020202020204" pitchFamily="34" charset="0"/>
+              <a:buChar char="•"/>
+            </a:pPr>
+            <a:r>
+              <a:rPr lang="en-US" sz="2000" b="1" dirty="0"/>
+              <a:t>Financial: </a:t>
+            </a:r>
+            <a:r>
+              <a:rPr lang="en-US" sz="2000" dirty="0"/>
+              <a:t>Initial GPU or cloud costs may be high, but integration with latest lightweight </a:t>
+            </a:r>
+            <a:r>
+              <a:rPr lang="en-US" sz="2000" b="1" dirty="0"/>
+              <a:t>open-source</a:t>
+            </a:r>
+            <a:r>
+              <a:rPr lang="en-US" sz="2000" dirty="0"/>
+              <a:t> </a:t>
+            </a:r>
+            <a:r>
+              <a:rPr lang="en-US" sz="2000" b="1" dirty="0"/>
+              <a:t>models</a:t>
+            </a:r>
+            <a:r>
+              <a:rPr lang="en-US" sz="2000" dirty="0"/>
+              <a:t> can </a:t>
+            </a:r>
+            <a:r>
+              <a:rPr lang="en-US" sz="2000" b="1" dirty="0"/>
+              <a:t>lower long term expenses</a:t>
+            </a:r>
+            <a:r>
+              <a:rPr lang="en-US" sz="2000" dirty="0"/>
+              <a:t>, with strong market demand supporting investment.</a:t>
+            </a:r>
+          </a:p>
+          <a:p>
+            <a:pPr marL="342900" indent="-342900">
+              <a:buFont typeface="Arial" panose="020B0604020202020204" pitchFamily="34" charset="0"/>
+              <a:buChar char="•"/>
+            </a:pPr>
+            <a:endParaRPr lang="en-US" sz="1050" dirty="0"/>
+          </a:p>
+          <a:p>
+            <a:pPr marL="342900" indent="-342900" algn="just">
+              <a:buFont typeface="Arial" panose="020B0604020202020204" pitchFamily="34" charset="0"/>
+              <a:buChar char="•"/>
+              <a:defRPr/>
+            </a:pPr>
+            <a:r>
+              <a:rPr lang="en-IN" sz="2000" b="1" dirty="0"/>
+              <a:t>Market &amp; Operational</a:t>
+            </a:r>
+            <a:r>
+              <a:rPr lang="en-IN" sz="2000" dirty="0"/>
+              <a:t>:</a:t>
+            </a:r>
+            <a:r>
+              <a:rPr lang="en-US" sz="2000" dirty="0"/>
+              <a:t> The system’s adaptability to hardware and sub-systems already used in Industry makes adoption extremely easy and simple</a:t>
+            </a:r>
+            <a:endParaRPr lang="en-IN" sz="2000" dirty="0"/>
+          </a:p>
+        </p:txBody>
+      </p:sp>
+      <p:sp>
+        <p:nvSpPr>
+          <p:cNvPr id="17" name="TextBox 16">
+            <a:extLst>
+              <a:ext uri="{FF2B5EF4-FFF2-40B4-BE49-F238E27FC236}">
+                <a16:creationId xmlns:a16="http://schemas.microsoft.com/office/drawing/2014/main" id="{8EAB82D7-B584-AD94-99E3-32630D6BD890}"/>
+              </a:ext>
+            </a:extLst>
+          </p:cNvPr>
+          <p:cNvSpPr txBox="1"/>
+          <p:nvPr/>
+        </p:nvSpPr>
+        <p:spPr>
+          <a:xfrm>
+            <a:off x="6526562" y="1246517"/>
+            <a:ext cx="5355323" cy="5393784"/>
+          </a:xfrm>
+          <a:prstGeom prst="rect">
+            <a:avLst/>
+          </a:prstGeom>
+          <a:noFill/>
+        </p:spPr>
+        <p:txBody>
+          <a:bodyPr wrap="square" rtlCol="0">
+            <a:spAutoFit/>
+          </a:bodyPr>
+          <a:lstStyle/>
+          <a:p>
+            <a:pPr marR="0" lvl="0" algn="just" defTabSz="457200" rtl="0" eaLnBrk="1" fontAlgn="base" latinLnBrk="0" hangingPunct="1">
+              <a:lnSpc>
+                <a:spcPct val="100000"/>
+              </a:lnSpc>
+              <a:spcBef>
+                <a:spcPct val="0"/>
+              </a:spcBef>
+              <a:spcAft>
+                <a:spcPct val="0"/>
+              </a:spcAft>
+              <a:buClrTx/>
+              <a:buSzTx/>
+              <a:defRPr/>
+            </a:pPr>
+            <a:r>
+              <a:rPr lang="en-US" sz="2400" b="1" u="sng" dirty="0">
+                <a:solidFill>
+                  <a:prstClr val="black"/>
+                </a:solidFill>
+                <a:latin typeface="+mn-lt"/>
+                <a:cs typeface="Arial" panose="020B0604020202020204" pitchFamily="34" charset="0"/>
+              </a:rPr>
+              <a:t>Potential challenges and risks:</a:t>
+            </a:r>
+          </a:p>
+          <a:p>
+            <a:pPr marL="342900" indent="-342900">
+              <a:buFont typeface="Arial" panose="020B0604020202020204" pitchFamily="34" charset="0"/>
+              <a:buChar char="•"/>
+            </a:pPr>
+            <a:r>
+              <a:rPr lang="en-US" sz="2000" dirty="0">
+                <a:latin typeface="+mn-lt"/>
+              </a:rPr>
+              <a:t>Challenges include </a:t>
+            </a:r>
+            <a:r>
+              <a:rPr lang="en-US" sz="2000" b="1" dirty="0">
+                <a:latin typeface="+mn-lt"/>
+              </a:rPr>
+              <a:t>real-time accuracy</a:t>
+            </a:r>
+            <a:r>
+              <a:rPr lang="en-US" sz="2000" dirty="0">
+                <a:latin typeface="+mn-lt"/>
+              </a:rPr>
+              <a:t>, hardware </a:t>
+            </a:r>
+            <a:r>
+              <a:rPr lang="en-US" sz="2000" b="1" dirty="0">
+                <a:latin typeface="+mn-lt"/>
+              </a:rPr>
+              <a:t>compatibility </a:t>
+            </a:r>
+            <a:r>
+              <a:rPr lang="en-US" sz="2000" dirty="0">
+                <a:latin typeface="+mn-lt"/>
+              </a:rPr>
+              <a:t>and</a:t>
+            </a:r>
+            <a:r>
+              <a:rPr lang="en-US" sz="2000" b="1" dirty="0">
+                <a:latin typeface="+mn-lt"/>
+              </a:rPr>
+              <a:t> </a:t>
+            </a:r>
+            <a:r>
+              <a:rPr lang="en-US" sz="2000" dirty="0">
+                <a:latin typeface="+mn-lt"/>
+              </a:rPr>
+              <a:t>high computational costs. Robust testing and troubleshooting will be crucial for success.</a:t>
+            </a:r>
+          </a:p>
+          <a:p>
+            <a:endParaRPr lang="en-US" sz="1050" dirty="0">
+              <a:solidFill>
+                <a:prstClr val="black"/>
+              </a:solidFill>
+              <a:latin typeface="+mn-lt"/>
+              <a:cs typeface="Arial" panose="020B0604020202020204" pitchFamily="34" charset="0"/>
+            </a:endParaRPr>
+          </a:p>
+          <a:p>
+            <a:pPr marR="0" lvl="0" algn="l" defTabSz="457200" rtl="0" eaLnBrk="1" fontAlgn="base" latinLnBrk="0" hangingPunct="1">
+              <a:lnSpc>
+                <a:spcPct val="100000"/>
+              </a:lnSpc>
+              <a:spcBef>
+                <a:spcPct val="0"/>
+              </a:spcBef>
+              <a:spcAft>
+                <a:spcPct val="0"/>
+              </a:spcAft>
+              <a:buClrTx/>
+              <a:buSzTx/>
+              <a:defRPr/>
+            </a:pPr>
+            <a:r>
+              <a:rPr kumimoji="0" lang="en-US" sz="2000" b="1" i="0" u="sng" strike="noStrike" kern="1200" cap="none" spc="0" normalizeH="0" baseline="0" noProof="0" dirty="0">
+                <a:ln>
+                  <a:noFill/>
+                </a:ln>
+                <a:solidFill>
+                  <a:prstClr val="black"/>
+                </a:solidFill>
+                <a:effectLst/>
+                <a:uLnTx/>
+                <a:uFillTx/>
+                <a:latin typeface="+mn-lt"/>
+                <a:ea typeface="MS PGothic" panose="020B0600070205080204" pitchFamily="1" charset="-128"/>
+                <a:cs typeface="Arial" panose="020B0604020202020204" pitchFamily="34" charset="0"/>
+              </a:rPr>
+              <a:t>Strategies</a:t>
+            </a:r>
+            <a:r>
+              <a:rPr kumimoji="0" lang="en-US" sz="2000" b="1" i="0" u="sng" strike="noStrike" kern="1200" cap="none" spc="0" normalizeH="0" noProof="0" dirty="0">
+                <a:ln>
+                  <a:noFill/>
+                </a:ln>
+                <a:solidFill>
+                  <a:prstClr val="black"/>
+                </a:solidFill>
+                <a:effectLst/>
+                <a:uLnTx/>
+                <a:uFillTx/>
+                <a:latin typeface="+mn-lt"/>
+                <a:ea typeface="MS PGothic" panose="020B0600070205080204" pitchFamily="1" charset="-128"/>
+                <a:cs typeface="Arial" panose="020B0604020202020204" pitchFamily="34" charset="0"/>
+              </a:rPr>
+              <a:t> for overcoming these challenges:</a:t>
+            </a:r>
+          </a:p>
+          <a:p>
+            <a:pPr marR="0" lvl="0" algn="l" defTabSz="457200" rtl="0" eaLnBrk="1" fontAlgn="base" latinLnBrk="0" hangingPunct="1">
+              <a:lnSpc>
+                <a:spcPct val="100000"/>
+              </a:lnSpc>
+              <a:spcBef>
+                <a:spcPct val="0"/>
+              </a:spcBef>
+              <a:spcAft>
+                <a:spcPct val="0"/>
+              </a:spcAft>
+              <a:buClrTx/>
+              <a:buSzTx/>
+              <a:defRPr/>
+            </a:pPr>
+            <a:endParaRPr kumimoji="0" lang="en-US" sz="800" b="1" i="0" u="sng" strike="noStrike" kern="1200" cap="none" spc="0" normalizeH="0" noProof="0" dirty="0">
+              <a:ln>
+                <a:noFill/>
+              </a:ln>
+              <a:solidFill>
+                <a:prstClr val="black"/>
+              </a:solidFill>
+              <a:effectLst/>
+              <a:uLnTx/>
+              <a:uFillTx/>
+              <a:latin typeface="+mn-lt"/>
+              <a:ea typeface="MS PGothic" panose="020B0600070205080204" pitchFamily="1" charset="-128"/>
+              <a:cs typeface="Arial" panose="020B0604020202020204" pitchFamily="34" charset="0"/>
+            </a:endParaRPr>
+          </a:p>
+          <a:p>
+            <a:pPr marL="342900" marR="0" lvl="0" indent="-342900" algn="l" defTabSz="457200" rtl="0" eaLnBrk="1" fontAlgn="base" latinLnBrk="0" hangingPunct="1">
+              <a:lnSpc>
+                <a:spcPct val="100000"/>
+              </a:lnSpc>
+              <a:spcBef>
+                <a:spcPct val="0"/>
+              </a:spcBef>
+              <a:spcAft>
+                <a:spcPct val="0"/>
+              </a:spcAft>
+              <a:buClrTx/>
+              <a:buSzTx/>
+              <a:buFont typeface="Arial" panose="020B0604020202020204" pitchFamily="34" charset="0"/>
+              <a:buChar char="•"/>
+              <a:defRPr/>
+            </a:pPr>
+            <a:r>
+              <a:rPr kumimoji="0" lang="en-US" sz="2000" i="0" u="none" strike="noStrike" kern="1200" cap="none" spc="0" normalizeH="0" noProof="0" dirty="0">
+                <a:ln>
+                  <a:noFill/>
+                </a:ln>
+                <a:solidFill>
+                  <a:prstClr val="black"/>
+                </a:solidFill>
+                <a:effectLst/>
+                <a:uLnTx/>
+                <a:uFillTx/>
+                <a:latin typeface="+mn-lt"/>
+                <a:ea typeface="MS PGothic" panose="020B0600070205080204" pitchFamily="1" charset="-128"/>
+                <a:cs typeface="Arial" panose="020B0604020202020204" pitchFamily="34" charset="0"/>
+              </a:rPr>
+              <a:t>Use </a:t>
+            </a:r>
+            <a:r>
+              <a:rPr kumimoji="0" lang="en-US" sz="2000" b="1" i="0" u="none" strike="noStrike" kern="1200" cap="none" spc="0" normalizeH="0" noProof="0" dirty="0">
+                <a:ln>
+                  <a:noFill/>
+                </a:ln>
+                <a:solidFill>
+                  <a:prstClr val="black"/>
+                </a:solidFill>
+                <a:effectLst/>
+                <a:uLnTx/>
+                <a:uFillTx/>
+                <a:latin typeface="+mn-lt"/>
+                <a:ea typeface="MS PGothic" panose="020B0600070205080204" pitchFamily="1" charset="-128"/>
+                <a:cs typeface="Arial" panose="020B0604020202020204" pitchFamily="34" charset="0"/>
+              </a:rPr>
+              <a:t>modular testing </a:t>
+            </a:r>
+            <a:r>
+              <a:rPr kumimoji="0" lang="en-US" sz="2000" i="0" u="none" strike="noStrike" kern="1200" cap="none" spc="0" normalizeH="0" noProof="0" dirty="0">
+                <a:ln>
+                  <a:noFill/>
+                </a:ln>
+                <a:solidFill>
+                  <a:prstClr val="black"/>
+                </a:solidFill>
+                <a:effectLst/>
+                <a:uLnTx/>
+                <a:uFillTx/>
+                <a:latin typeface="+mn-lt"/>
+                <a:ea typeface="MS PGothic" panose="020B0600070205080204" pitchFamily="1" charset="-128"/>
+                <a:cs typeface="Arial" panose="020B0604020202020204" pitchFamily="34" charset="0"/>
+              </a:rPr>
+              <a:t>for hardware </a:t>
+            </a:r>
+            <a:endParaRPr lang="en-US" sz="2000" dirty="0">
+              <a:solidFill>
+                <a:prstClr val="black"/>
+              </a:solidFill>
+              <a:latin typeface="+mn-lt"/>
+              <a:cs typeface="Arial" panose="020B0604020202020204" pitchFamily="34" charset="0"/>
+            </a:endParaRPr>
+          </a:p>
+          <a:p>
+            <a:pPr marR="0" lvl="0" algn="l" defTabSz="457200" rtl="0" eaLnBrk="1" fontAlgn="base" latinLnBrk="0" hangingPunct="1">
+              <a:lnSpc>
+                <a:spcPct val="100000"/>
+              </a:lnSpc>
+              <a:spcBef>
+                <a:spcPct val="0"/>
+              </a:spcBef>
+              <a:spcAft>
+                <a:spcPct val="0"/>
+              </a:spcAft>
+              <a:buClrTx/>
+              <a:buSzTx/>
+              <a:defRPr/>
+            </a:pPr>
+            <a:r>
+              <a:rPr lang="en-US" sz="2000" dirty="0">
+                <a:solidFill>
+                  <a:prstClr val="black"/>
+                </a:solidFill>
+                <a:latin typeface="+mn-lt"/>
+                <a:cs typeface="Arial" panose="020B0604020202020204" pitchFamily="34" charset="0"/>
+              </a:rPr>
+              <a:t>	</a:t>
+            </a:r>
+            <a:r>
+              <a:rPr kumimoji="0" lang="en-US" sz="2000" i="0" u="none" strike="noStrike" kern="1200" cap="none" spc="0" normalizeH="0" noProof="0" dirty="0">
+                <a:ln>
+                  <a:noFill/>
+                </a:ln>
+                <a:solidFill>
+                  <a:prstClr val="black"/>
+                </a:solidFill>
+                <a:effectLst/>
+                <a:uLnTx/>
+                <a:uFillTx/>
+                <a:latin typeface="+mn-lt"/>
+                <a:ea typeface="MS PGothic" panose="020B0600070205080204" pitchFamily="1" charset="-128"/>
+                <a:cs typeface="Arial" panose="020B0604020202020204" pitchFamily="34" charset="0"/>
+              </a:rPr>
+              <a:t>integration.</a:t>
+            </a:r>
+          </a:p>
+          <a:p>
+            <a:pPr marL="342900" marR="0" lvl="0" indent="-342900" algn="l" defTabSz="457200" rtl="0" eaLnBrk="1" fontAlgn="base" latinLnBrk="0" hangingPunct="1">
+              <a:lnSpc>
+                <a:spcPct val="100000"/>
+              </a:lnSpc>
+              <a:spcBef>
+                <a:spcPct val="0"/>
+              </a:spcBef>
+              <a:spcAft>
+                <a:spcPct val="0"/>
+              </a:spcAft>
+              <a:buClrTx/>
+              <a:buSzTx/>
+              <a:buFont typeface="Arial" panose="020B0604020202020204" pitchFamily="34" charset="0"/>
+              <a:buChar char="•"/>
+              <a:defRPr/>
+            </a:pPr>
+            <a:r>
+              <a:rPr kumimoji="0" lang="en-US" sz="2000" b="1" i="0" u="none" strike="noStrike" kern="1200" cap="none" spc="0" normalizeH="0" noProof="0" dirty="0">
+                <a:ln>
+                  <a:noFill/>
+                </a:ln>
+                <a:solidFill>
+                  <a:prstClr val="black"/>
+                </a:solidFill>
+                <a:effectLst/>
+                <a:uLnTx/>
+                <a:uFillTx/>
+                <a:latin typeface="+mn-lt"/>
+                <a:ea typeface="MS PGothic" panose="020B0600070205080204" pitchFamily="1" charset="-128"/>
+                <a:cs typeface="Arial" panose="020B0604020202020204" pitchFamily="34" charset="0"/>
+              </a:rPr>
+              <a:t>Fine-tune LLMs </a:t>
+            </a:r>
+            <a:r>
+              <a:rPr kumimoji="0" lang="en-US" sz="2000" i="0" u="none" strike="noStrike" kern="1200" cap="none" spc="0" normalizeH="0" noProof="0" dirty="0">
+                <a:ln>
+                  <a:noFill/>
+                </a:ln>
+                <a:solidFill>
+                  <a:prstClr val="black"/>
+                </a:solidFill>
+                <a:effectLst/>
+                <a:uLnTx/>
+                <a:uFillTx/>
+                <a:latin typeface="+mn-lt"/>
+                <a:ea typeface="MS PGothic" panose="020B0600070205080204" pitchFamily="1" charset="-128"/>
+                <a:cs typeface="Arial" panose="020B0604020202020204" pitchFamily="34" charset="0"/>
+              </a:rPr>
+              <a:t>with existing protocols.</a:t>
+            </a:r>
+          </a:p>
+          <a:p>
+            <a:pPr marL="342900" marR="0" lvl="0" indent="-342900" algn="l" defTabSz="457200" rtl="0" eaLnBrk="1" fontAlgn="base" latinLnBrk="0" hangingPunct="1">
+              <a:lnSpc>
+                <a:spcPct val="100000"/>
+              </a:lnSpc>
+              <a:spcBef>
+                <a:spcPct val="0"/>
+              </a:spcBef>
+              <a:spcAft>
+                <a:spcPct val="0"/>
+              </a:spcAft>
+              <a:buClrTx/>
+              <a:buSzTx/>
+              <a:buFont typeface="Arial" panose="020B0604020202020204" pitchFamily="34" charset="0"/>
+              <a:buChar char="•"/>
+              <a:defRPr/>
+            </a:pPr>
+            <a:r>
+              <a:rPr kumimoji="0" lang="en-US" sz="2000" i="0" u="none" strike="noStrike" kern="1200" cap="none" spc="0" normalizeH="0" noProof="0" dirty="0">
+                <a:ln>
+                  <a:noFill/>
+                </a:ln>
+                <a:solidFill>
+                  <a:prstClr val="black"/>
+                </a:solidFill>
+                <a:effectLst/>
+                <a:uLnTx/>
+                <a:uFillTx/>
+                <a:latin typeface="+mn-lt"/>
+                <a:ea typeface="MS PGothic" panose="020B0600070205080204" pitchFamily="1" charset="-128"/>
+                <a:cs typeface="Arial" panose="020B0604020202020204" pitchFamily="34" charset="0"/>
+              </a:rPr>
+              <a:t>Optimize algorithms to </a:t>
+            </a:r>
+            <a:r>
+              <a:rPr kumimoji="0" lang="en-US" sz="2000" b="1" i="0" u="none" strike="noStrike" kern="1200" cap="none" spc="0" normalizeH="0" noProof="0" dirty="0">
+                <a:ln>
+                  <a:noFill/>
+                </a:ln>
+                <a:solidFill>
+                  <a:prstClr val="black"/>
+                </a:solidFill>
+                <a:effectLst/>
+                <a:uLnTx/>
+                <a:uFillTx/>
+                <a:latin typeface="+mn-lt"/>
+                <a:ea typeface="MS PGothic" panose="020B0600070205080204" pitchFamily="1" charset="-128"/>
+                <a:cs typeface="Arial" panose="020B0604020202020204" pitchFamily="34" charset="0"/>
+              </a:rPr>
+              <a:t>reduce</a:t>
+            </a:r>
+            <a:r>
+              <a:rPr kumimoji="0" lang="en-US" sz="2000" i="0" u="none" strike="noStrike" kern="1200" cap="none" spc="0" normalizeH="0" noProof="0" dirty="0">
+                <a:ln>
+                  <a:noFill/>
+                </a:ln>
+                <a:solidFill>
+                  <a:prstClr val="black"/>
+                </a:solidFill>
+                <a:effectLst/>
+                <a:uLnTx/>
+                <a:uFillTx/>
+                <a:latin typeface="+mn-lt"/>
+                <a:ea typeface="MS PGothic" panose="020B0600070205080204" pitchFamily="1" charset="-128"/>
+                <a:cs typeface="Arial" panose="020B0604020202020204" pitchFamily="34" charset="0"/>
+              </a:rPr>
+              <a:t> </a:t>
+            </a:r>
+            <a:r>
+              <a:rPr kumimoji="0" lang="en-US" sz="2000" b="1" i="0" u="none" strike="noStrike" kern="1200" cap="none" spc="0" normalizeH="0" noProof="0" dirty="0">
+                <a:ln>
+                  <a:noFill/>
+                </a:ln>
+                <a:solidFill>
+                  <a:prstClr val="black"/>
+                </a:solidFill>
+                <a:effectLst/>
+                <a:uLnTx/>
+                <a:uFillTx/>
+                <a:latin typeface="+mn-lt"/>
+                <a:ea typeface="MS PGothic" panose="020B0600070205080204" pitchFamily="1" charset="-128"/>
+                <a:cs typeface="Arial" panose="020B0604020202020204" pitchFamily="34" charset="0"/>
+              </a:rPr>
+              <a:t>computation costs</a:t>
+            </a:r>
+            <a:r>
+              <a:rPr kumimoji="0" lang="en-US" sz="2000" i="0" u="none" strike="noStrike" kern="1200" cap="none" spc="0" normalizeH="0" noProof="0" dirty="0">
+                <a:ln>
+                  <a:noFill/>
+                </a:ln>
+                <a:solidFill>
+                  <a:prstClr val="black"/>
+                </a:solidFill>
+                <a:effectLst/>
+                <a:uLnTx/>
+                <a:uFillTx/>
+                <a:latin typeface="+mn-lt"/>
+                <a:ea typeface="MS PGothic" panose="020B0600070205080204" pitchFamily="1" charset="-128"/>
+                <a:cs typeface="Arial" panose="020B0604020202020204" pitchFamily="34" charset="0"/>
+              </a:rPr>
+              <a:t>.</a:t>
+            </a:r>
+          </a:p>
+          <a:p>
+            <a:pPr marL="342900" marR="0" lvl="0" indent="-342900" algn="l" defTabSz="457200" rtl="0" eaLnBrk="1" fontAlgn="base" latinLnBrk="0" hangingPunct="1">
+              <a:lnSpc>
+                <a:spcPct val="100000"/>
+              </a:lnSpc>
+              <a:spcBef>
+                <a:spcPct val="0"/>
+              </a:spcBef>
+              <a:spcAft>
+                <a:spcPct val="0"/>
+              </a:spcAft>
+              <a:buClrTx/>
+              <a:buSzTx/>
+              <a:buFont typeface="Arial" panose="020B0604020202020204" pitchFamily="34" charset="0"/>
+              <a:buChar char="•"/>
+              <a:defRPr/>
+            </a:pPr>
+            <a:r>
+              <a:rPr kumimoji="0" lang="en-US" sz="2000" i="0" u="none" strike="noStrike" kern="1200" cap="none" spc="0" normalizeH="0" noProof="0" dirty="0">
+                <a:ln>
+                  <a:noFill/>
+                </a:ln>
+                <a:solidFill>
+                  <a:prstClr val="black"/>
+                </a:solidFill>
+                <a:effectLst/>
+                <a:uLnTx/>
+                <a:uFillTx/>
+                <a:latin typeface="+mn-lt"/>
+                <a:ea typeface="MS PGothic" panose="020B0600070205080204" pitchFamily="1" charset="-128"/>
+                <a:cs typeface="Arial" panose="020B0604020202020204" pitchFamily="34" charset="0"/>
+              </a:rPr>
+              <a:t>Implement </a:t>
+            </a:r>
+            <a:r>
+              <a:rPr kumimoji="0" lang="en-US" sz="2000" b="1" i="0" u="none" strike="noStrike" kern="1200" cap="none" spc="0" normalizeH="0" noProof="0" dirty="0">
+                <a:ln>
+                  <a:noFill/>
+                </a:ln>
+                <a:solidFill>
+                  <a:prstClr val="black"/>
+                </a:solidFill>
+                <a:effectLst/>
+                <a:uLnTx/>
+                <a:uFillTx/>
+                <a:latin typeface="+mn-lt"/>
+                <a:ea typeface="MS PGothic" panose="020B0600070205080204" pitchFamily="1" charset="-128"/>
+                <a:cs typeface="Arial" panose="020B0604020202020204" pitchFamily="34" charset="0"/>
+              </a:rPr>
+              <a:t>safety protocols </a:t>
+            </a:r>
+            <a:r>
+              <a:rPr kumimoji="0" lang="en-US" sz="2000" i="0" u="none" strike="noStrike" kern="1200" cap="none" spc="0" normalizeH="0" noProof="0" dirty="0">
+                <a:ln>
+                  <a:noFill/>
+                </a:ln>
+                <a:solidFill>
+                  <a:prstClr val="black"/>
+                </a:solidFill>
+                <a:effectLst/>
+                <a:uLnTx/>
+                <a:uFillTx/>
+                <a:latin typeface="+mn-lt"/>
+                <a:ea typeface="MS PGothic" panose="020B0600070205080204" pitchFamily="1" charset="-128"/>
+                <a:cs typeface="Arial" panose="020B0604020202020204" pitchFamily="34" charset="0"/>
+              </a:rPr>
+              <a:t>and redundancy.</a:t>
+            </a:r>
+          </a:p>
+          <a:p>
+            <a:pPr marL="342900" marR="0" lvl="0" indent="-342900" algn="l" defTabSz="457200" rtl="0" eaLnBrk="1" fontAlgn="base" latinLnBrk="0" hangingPunct="1">
+              <a:lnSpc>
+                <a:spcPct val="100000"/>
+              </a:lnSpc>
+              <a:spcBef>
+                <a:spcPct val="0"/>
+              </a:spcBef>
+              <a:spcAft>
+                <a:spcPct val="0"/>
+              </a:spcAft>
+              <a:buClrTx/>
+              <a:buSzTx/>
+              <a:buFont typeface="Arial" panose="020B0604020202020204" pitchFamily="34" charset="0"/>
+              <a:buChar char="•"/>
+              <a:defRPr/>
+            </a:pPr>
+            <a:r>
+              <a:rPr kumimoji="0" lang="en-US" sz="2000" i="0" u="none" strike="noStrike" kern="1200" cap="none" spc="0" normalizeH="0" noProof="0" dirty="0">
+                <a:ln>
+                  <a:noFill/>
+                </a:ln>
+                <a:solidFill>
+                  <a:prstClr val="black"/>
+                </a:solidFill>
+                <a:effectLst/>
+                <a:uLnTx/>
+                <a:uFillTx/>
+                <a:latin typeface="+mn-lt"/>
+                <a:ea typeface="MS PGothic" panose="020B0600070205080204" pitchFamily="1" charset="-128"/>
+                <a:cs typeface="Arial" panose="020B0604020202020204" pitchFamily="34" charset="0"/>
+              </a:rPr>
+              <a:t>Use </a:t>
+            </a:r>
+            <a:r>
+              <a:rPr kumimoji="0" lang="en-US" sz="2000" b="1" i="0" u="none" strike="noStrike" kern="1200" cap="none" spc="0" normalizeH="0" noProof="0" dirty="0">
+                <a:ln>
+                  <a:noFill/>
+                </a:ln>
+                <a:solidFill>
+                  <a:prstClr val="black"/>
+                </a:solidFill>
+                <a:effectLst/>
+                <a:uLnTx/>
+                <a:uFillTx/>
+                <a:latin typeface="+mn-lt"/>
+                <a:ea typeface="MS PGothic" panose="020B0600070205080204" pitchFamily="1" charset="-128"/>
+                <a:cs typeface="Arial" panose="020B0604020202020204" pitchFamily="34" charset="0"/>
+              </a:rPr>
+              <a:t>reinforcement learning </a:t>
+            </a:r>
+            <a:r>
+              <a:rPr kumimoji="0" lang="en-US" sz="2000" i="0" u="none" strike="noStrike" kern="1200" cap="none" spc="0" normalizeH="0" noProof="0" dirty="0">
+                <a:ln>
+                  <a:noFill/>
+                </a:ln>
+                <a:solidFill>
+                  <a:prstClr val="black"/>
+                </a:solidFill>
+                <a:effectLst/>
+                <a:uLnTx/>
+                <a:uFillTx/>
+                <a:latin typeface="+mn-lt"/>
+                <a:ea typeface="MS PGothic" panose="020B0600070205080204" pitchFamily="1" charset="-128"/>
+                <a:cs typeface="Arial" panose="020B0604020202020204" pitchFamily="34" charset="0"/>
+              </a:rPr>
+              <a:t>for </a:t>
+            </a:r>
+            <a:r>
+              <a:rPr kumimoji="0" lang="en-US" sz="2000" b="1" i="0" u="none" strike="noStrike" kern="1200" cap="none" spc="0" normalizeH="0" noProof="0" dirty="0">
+                <a:ln>
+                  <a:noFill/>
+                </a:ln>
+                <a:solidFill>
+                  <a:prstClr val="black"/>
+                </a:solidFill>
+                <a:effectLst/>
+                <a:uLnTx/>
+                <a:uFillTx/>
+                <a:latin typeface="+mn-lt"/>
+                <a:ea typeface="MS PGothic" panose="020B0600070205080204" pitchFamily="1" charset="-128"/>
+                <a:cs typeface="Arial" panose="020B0604020202020204" pitchFamily="34" charset="0"/>
+              </a:rPr>
+              <a:t>adaptability</a:t>
+            </a:r>
+            <a:r>
+              <a:rPr kumimoji="0" lang="en-US" sz="2000" i="0" u="none" strike="noStrike" kern="1200" cap="none" spc="0" normalizeH="0" noProof="0" dirty="0">
+                <a:ln>
+                  <a:noFill/>
+                </a:ln>
+                <a:solidFill>
+                  <a:prstClr val="black"/>
+                </a:solidFill>
+                <a:effectLst/>
+                <a:uLnTx/>
+                <a:uFillTx/>
+                <a:latin typeface="+mn-lt"/>
+                <a:ea typeface="MS PGothic" panose="020B0600070205080204" pitchFamily="1" charset="-128"/>
+                <a:cs typeface="Arial" panose="020B0604020202020204" pitchFamily="34" charset="0"/>
+              </a:rPr>
+              <a:t> across environments.</a:t>
+            </a:r>
+          </a:p>
+          <a:p>
+            <a:pPr marR="0" lvl="0" algn="l" defTabSz="457200" rtl="0" eaLnBrk="1" fontAlgn="base" latinLnBrk="0" hangingPunct="1">
+              <a:lnSpc>
+                <a:spcPct val="100000"/>
+              </a:lnSpc>
+              <a:spcBef>
+                <a:spcPct val="0"/>
+              </a:spcBef>
+              <a:spcAft>
+                <a:spcPct val="0"/>
+              </a:spcAft>
+              <a:buClrTx/>
+              <a:buSzTx/>
+              <a:defRPr/>
+            </a:pPr>
+            <a:endParaRPr kumimoji="0" lang="en-US" sz="2400" b="1" i="0" u="none" strike="noStrike" kern="1200" cap="none" spc="0" normalizeH="0" noProof="0" dirty="0">
+              <a:ln>
+                <a:noFill/>
+              </a:ln>
+              <a:solidFill>
+                <a:prstClr val="black"/>
+              </a:solidFill>
+              <a:effectLst/>
+              <a:uLnTx/>
+              <a:uFillTx/>
+              <a:latin typeface="Arial" panose="020B0604020202020204" pitchFamily="34" charset="0"/>
+              <a:ea typeface="MS PGothic" panose="020B0600070205080204" pitchFamily="1" charset="-128"/>
+              <a:cs typeface="Arial" panose="020B0604020202020204" pitchFamily="34" charset="0"/>
+            </a:endParaRPr>
+          </a:p>
+          <a:p>
+            <a:endParaRPr lang="en-IN" dirty="0"/>
+          </a:p>
+        </p:txBody>
+      </p:sp>
+      <p:sp>
+        <p:nvSpPr>
+          <p:cNvPr id="4" name="Oval 3" descr="Your startup LOGO">
+            <a:extLst>
+              <a:ext uri="{FF2B5EF4-FFF2-40B4-BE49-F238E27FC236}">
+                <a16:creationId xmlns:a16="http://schemas.microsoft.com/office/drawing/2014/main" id="{EEE4B277-4CDC-1EDA-E5BD-E073CFD89C43}"/>
               </a:ext>
             </a:extLst>
           </p:cNvPr>
@@ -6817,1438 +8494,6 @@
       </p:sp>
       <p:sp>
         <p:nvSpPr>
-          <p:cNvPr id="35" name="Rectangle 34">
-            <a:extLst>
-              <a:ext uri="{FF2B5EF4-FFF2-40B4-BE49-F238E27FC236}">
-                <a16:creationId xmlns:a16="http://schemas.microsoft.com/office/drawing/2014/main" id="{7D64BC54-CE73-ECE7-E821-AD45F25104F4}"/>
-              </a:ext>
-            </a:extLst>
-          </p:cNvPr>
-          <p:cNvSpPr/>
-          <p:nvPr/>
-        </p:nvSpPr>
-        <p:spPr>
-          <a:xfrm>
-            <a:off x="9526729" y="5858351"/>
-            <a:ext cx="179110" cy="100674"/>
-          </a:xfrm>
-          <a:prstGeom prst="rect">
-            <a:avLst/>
-          </a:prstGeom>
-          <a:ln>
-            <a:noFill/>
-          </a:ln>
-        </p:spPr>
-        <p:style>
-          <a:lnRef idx="2">
-            <a:schemeClr val="dk1"/>
-          </a:lnRef>
-          <a:fillRef idx="1">
-            <a:schemeClr val="lt1"/>
-          </a:fillRef>
-          <a:effectRef idx="0">
-            <a:schemeClr val="dk1"/>
-          </a:effectRef>
-          <a:fontRef idx="minor">
-            <a:schemeClr val="dk1"/>
-          </a:fontRef>
-        </p:style>
-        <p:txBody>
-          <a:bodyPr rtlCol="0" anchor="ctr"/>
-          <a:lstStyle/>
-          <a:p>
-            <a:pPr algn="ctr"/>
-            <a:endParaRPr lang="en-IN"/>
-          </a:p>
-        </p:txBody>
-      </p:sp>
-      <p:sp>
-        <p:nvSpPr>
-          <p:cNvPr id="34" name="TextBox 33">
-            <a:extLst>
-              <a:ext uri="{FF2B5EF4-FFF2-40B4-BE49-F238E27FC236}">
-                <a16:creationId xmlns:a16="http://schemas.microsoft.com/office/drawing/2014/main" id="{C841519E-1249-8E5A-CA0B-8603767FACE4}"/>
-              </a:ext>
-            </a:extLst>
-          </p:cNvPr>
-          <p:cNvSpPr txBox="1"/>
-          <p:nvPr/>
-        </p:nvSpPr>
-        <p:spPr>
-          <a:xfrm>
-            <a:off x="9449706" y="5755266"/>
-            <a:ext cx="333156" cy="276999"/>
-          </a:xfrm>
-          <a:prstGeom prst="rect">
-            <a:avLst/>
-          </a:prstGeom>
-          <a:noFill/>
-        </p:spPr>
-        <p:txBody>
-          <a:bodyPr wrap="square" rtlCol="0">
-            <a:spAutoFit/>
-          </a:bodyPr>
-          <a:lstStyle/>
-          <a:p>
-            <a:r>
-              <a:rPr lang="en-US" sz="1200" b="1" dirty="0">
-                <a:solidFill>
-                  <a:schemeClr val="tx1">
-                    <a:lumMod val="75000"/>
-                    <a:lumOff val="25000"/>
-                  </a:schemeClr>
-                </a:solidFill>
-              </a:rPr>
-              <a:t>to</a:t>
-            </a:r>
-            <a:endParaRPr lang="en-IN" sz="1200" b="1" dirty="0">
-              <a:solidFill>
-                <a:schemeClr val="tx1">
-                  <a:lumMod val="75000"/>
-                  <a:lumOff val="25000"/>
-                </a:schemeClr>
-              </a:solidFill>
-            </a:endParaRPr>
-          </a:p>
-        </p:txBody>
-      </p:sp>
-      <p:sp>
-        <p:nvSpPr>
-          <p:cNvPr id="36" name="TextBox 35">
-            <a:extLst>
-              <a:ext uri="{FF2B5EF4-FFF2-40B4-BE49-F238E27FC236}">
-                <a16:creationId xmlns:a16="http://schemas.microsoft.com/office/drawing/2014/main" id="{072F695E-9D3F-824C-C280-5A77913AFB99}"/>
-              </a:ext>
-            </a:extLst>
-          </p:cNvPr>
-          <p:cNvSpPr txBox="1"/>
-          <p:nvPr/>
-        </p:nvSpPr>
-        <p:spPr>
-          <a:xfrm>
-            <a:off x="0" y="6488978"/>
-            <a:ext cx="2579809" cy="553998"/>
-          </a:xfrm>
-          <a:prstGeom prst="rect">
-            <a:avLst/>
-          </a:prstGeom>
-          <a:noFill/>
-        </p:spPr>
-        <p:txBody>
-          <a:bodyPr wrap="none" rtlCol="0">
-            <a:spAutoFit/>
-          </a:bodyPr>
-          <a:lstStyle/>
-          <a:p>
-            <a:r>
-              <a:rPr lang="en-IN" sz="1200" dirty="0"/>
-              <a:t>*CNN = Convolutional Neural Network</a:t>
-            </a:r>
-          </a:p>
-          <a:p>
-            <a:endParaRPr lang="en-IN" dirty="0"/>
-          </a:p>
-        </p:txBody>
-      </p:sp>
-      <p:sp>
-        <p:nvSpPr>
-          <p:cNvPr id="37" name="TextBox 36">
-            <a:extLst>
-              <a:ext uri="{FF2B5EF4-FFF2-40B4-BE49-F238E27FC236}">
-                <a16:creationId xmlns:a16="http://schemas.microsoft.com/office/drawing/2014/main" id="{2DB1D3AE-5C69-DD9D-1C87-F983208FE321}"/>
-              </a:ext>
-            </a:extLst>
-          </p:cNvPr>
-          <p:cNvSpPr txBox="1"/>
-          <p:nvPr/>
-        </p:nvSpPr>
-        <p:spPr>
-          <a:xfrm>
-            <a:off x="9102437" y="2083190"/>
-            <a:ext cx="261610" cy="276999"/>
-          </a:xfrm>
-          <a:prstGeom prst="rect">
-            <a:avLst/>
-          </a:prstGeom>
-          <a:noFill/>
-        </p:spPr>
-        <p:txBody>
-          <a:bodyPr wrap="none" rtlCol="0">
-            <a:spAutoFit/>
-          </a:bodyPr>
-          <a:lstStyle/>
-          <a:p>
-            <a:r>
-              <a:rPr lang="en-US" sz="1200" dirty="0"/>
-              <a:t>*</a:t>
-            </a:r>
-            <a:endParaRPr lang="en-IN" sz="1200" dirty="0"/>
-          </a:p>
-        </p:txBody>
-      </p:sp>
-      <p:sp>
-        <p:nvSpPr>
-          <p:cNvPr id="2" name="TextBox 1">
-            <a:extLst>
-              <a:ext uri="{FF2B5EF4-FFF2-40B4-BE49-F238E27FC236}">
-                <a16:creationId xmlns:a16="http://schemas.microsoft.com/office/drawing/2014/main" id="{D1492500-2CB9-3DB2-C714-CDC28C760A11}"/>
-              </a:ext>
-            </a:extLst>
-          </p:cNvPr>
-          <p:cNvSpPr txBox="1"/>
-          <p:nvPr/>
-        </p:nvSpPr>
-        <p:spPr>
-          <a:xfrm>
-            <a:off x="5854383" y="2239571"/>
-            <a:ext cx="1253420" cy="369332"/>
-          </a:xfrm>
-          <a:prstGeom prst="rect">
-            <a:avLst/>
-          </a:prstGeom>
-          <a:noFill/>
-        </p:spPr>
-        <p:txBody>
-          <a:bodyPr wrap="none" rtlCol="0">
-            <a:spAutoFit/>
-          </a:bodyPr>
-          <a:lstStyle/>
-          <a:p>
-            <a:r>
-              <a:rPr lang="en-IN" dirty="0">
-                <a:solidFill>
-                  <a:schemeClr val="bg1"/>
-                </a:solidFill>
-              </a:rPr>
-              <a:t>WebApp UI</a:t>
-            </a:r>
-          </a:p>
-        </p:txBody>
-      </p:sp>
-      <p:sp>
-        <p:nvSpPr>
-          <p:cNvPr id="3" name="Rectangle 2">
-            <a:extLst>
-              <a:ext uri="{FF2B5EF4-FFF2-40B4-BE49-F238E27FC236}">
-                <a16:creationId xmlns:a16="http://schemas.microsoft.com/office/drawing/2014/main" id="{E4FCF483-10A7-8488-DAA3-A0F55539216A}"/>
-              </a:ext>
-            </a:extLst>
-          </p:cNvPr>
-          <p:cNvSpPr/>
-          <p:nvPr/>
-        </p:nvSpPr>
-        <p:spPr>
-          <a:xfrm>
-            <a:off x="4789967" y="3334624"/>
-            <a:ext cx="1244010" cy="614895"/>
-          </a:xfrm>
-          <a:prstGeom prst="rect">
-            <a:avLst/>
-          </a:prstGeom>
-          <a:ln>
-            <a:noFill/>
-          </a:ln>
-        </p:spPr>
-        <p:style>
-          <a:lnRef idx="2">
-            <a:schemeClr val="dk1"/>
-          </a:lnRef>
-          <a:fillRef idx="1">
-            <a:schemeClr val="lt1"/>
-          </a:fillRef>
-          <a:effectRef idx="0">
-            <a:schemeClr val="dk1"/>
-          </a:effectRef>
-          <a:fontRef idx="minor">
-            <a:schemeClr val="dk1"/>
-          </a:fontRef>
-        </p:style>
-        <p:txBody>
-          <a:bodyPr rtlCol="0" anchor="ctr"/>
-          <a:lstStyle/>
-          <a:p>
-            <a:pPr algn="ctr"/>
-            <a:endParaRPr lang="en-IN"/>
-          </a:p>
-        </p:txBody>
-      </p:sp>
-    </p:spTree>
-  </p:cSld>
-  <p:clrMapOvr>
-    <a:masterClrMapping/>
-  </p:clrMapOvr>
-</p:sld>
-</file>
-
-<file path=ppt/slides/slide4.xml><?xml version="1.0" encoding="utf-8"?>
-<p:sld xmlns:a="http://schemas.openxmlformats.org/drawingml/2006/main" xmlns:r="http://schemas.openxmlformats.org/officeDocument/2006/relationships" xmlns:p="http://schemas.openxmlformats.org/presentationml/2006/main">
-  <p:cSld>
-    <p:spTree>
-      <p:nvGrpSpPr>
-        <p:cNvPr id="1" name=""/>
-        <p:cNvGrpSpPr/>
-        <p:nvPr/>
-      </p:nvGrpSpPr>
-      <p:grpSpPr>
-        <a:xfrm>
-          <a:off x="0" y="0"/>
-          <a:ext cx="0" cy="0"/>
-          <a:chOff x="0" y="0"/>
-          <a:chExt cx="0" cy="0"/>
-        </a:xfrm>
-      </p:grpSpPr>
-      <p:sp>
-        <p:nvSpPr>
-          <p:cNvPr id="10" name="Rectangle 9"/>
-          <p:cNvSpPr>
-            <a:spLocks noChangeArrowheads="1"/>
-          </p:cNvSpPr>
-          <p:nvPr/>
-        </p:nvSpPr>
-        <p:spPr bwMode="auto">
-          <a:xfrm>
-            <a:off x="0" y="6354762"/>
-            <a:ext cx="12191999" cy="503238"/>
-          </a:xfrm>
-          <a:prstGeom prst="rect">
-            <a:avLst/>
-          </a:prstGeom>
-          <a:solidFill>
-            <a:srgbClr val="0070C0"/>
-          </a:solidFill>
-          <a:ln w="9525">
-            <a:noFill/>
-            <a:miter lim="800000"/>
-          </a:ln>
-          <a:effectLst>
-            <a:outerShdw dist="23000" dir="5400000" rotWithShape="0">
-              <a:srgbClr val="808080">
-                <a:alpha val="34999"/>
-              </a:srgbClr>
-            </a:outerShdw>
-          </a:effectLst>
-        </p:spPr>
-        <p:txBody>
-          <a:bodyPr anchor="ctr"/>
-          <a:lstStyle/>
-          <a:p>
-            <a:pPr marL="0" marR="0" lvl="0" indent="0" algn="ctr" defTabSz="457200" rtl="0" eaLnBrk="1" fontAlgn="auto" latinLnBrk="0" hangingPunct="1">
-              <a:lnSpc>
-                <a:spcPct val="100000"/>
-              </a:lnSpc>
-              <a:spcBef>
-                <a:spcPts val="0"/>
-              </a:spcBef>
-              <a:spcAft>
-                <a:spcPts val="0"/>
-              </a:spcAft>
-              <a:buClrTx/>
-              <a:buSzTx/>
-              <a:buFontTx/>
-              <a:buNone/>
-              <a:defRPr/>
-            </a:pPr>
-            <a:endParaRPr kumimoji="0" lang="en-US" sz="1800" b="0" i="0" u="none" strike="noStrike" kern="1200" cap="none" spc="0" normalizeH="0" baseline="0" noProof="0" dirty="0">
-              <a:ln>
-                <a:noFill/>
-              </a:ln>
-              <a:solidFill>
-                <a:srgbClr val="C0504D">
-                  <a:lumMod val="75000"/>
-                </a:srgbClr>
-              </a:solidFill>
-              <a:effectLst/>
-              <a:uLnTx/>
-              <a:uFillTx/>
-              <a:latin typeface="Calibri" panose="020F0502020204030204"/>
-              <a:ea typeface="MS PGothic" panose="020B0600070205080204" pitchFamily="1" charset="-128"/>
-              <a:cs typeface="+mn-cs"/>
-            </a:endParaRPr>
-          </a:p>
-        </p:txBody>
-      </p:sp>
-      <p:sp>
-        <p:nvSpPr>
-          <p:cNvPr id="17409" name="Title 1"/>
-          <p:cNvSpPr>
-            <a:spLocks noGrp="1"/>
-          </p:cNvSpPr>
-          <p:nvPr>
-            <p:ph type="title"/>
-          </p:nvPr>
-        </p:nvSpPr>
-        <p:spPr>
-          <a:xfrm>
-            <a:off x="609600" y="81280"/>
-            <a:ext cx="10972800" cy="1143000"/>
-          </a:xfrm>
-        </p:spPr>
-        <p:txBody>
-          <a:bodyPr/>
-          <a:lstStyle/>
-          <a:p>
-            <a:pPr eaLnBrk="1" hangingPunct="1"/>
-            <a:r>
-              <a:rPr lang="en-US" sz="3600" b="1" dirty="0">
-                <a:latin typeface="Times New Roman" panose="02020603050405020304" pitchFamily="18" charset="0"/>
-                <a:ea typeface="MS PGothic" panose="020B0600070205080204" pitchFamily="1" charset="-128"/>
-                <a:cs typeface="Times New Roman" panose="02020603050405020304" pitchFamily="18" charset="0"/>
-              </a:rPr>
-              <a:t>FEASIBILITY AND VIABILITY</a:t>
-            </a:r>
-          </a:p>
-        </p:txBody>
-      </p:sp>
-      <p:sp>
-        <p:nvSpPr>
-          <p:cNvPr id="6" name="Slide Number Placeholder 5"/>
-          <p:cNvSpPr>
-            <a:spLocks noGrp="1"/>
-          </p:cNvSpPr>
-          <p:nvPr>
-            <p:ph type="sldNum" sz="quarter" idx="12"/>
-          </p:nvPr>
-        </p:nvSpPr>
-        <p:spPr/>
-        <p:txBody>
-          <a:bodyPr/>
-          <a:lstStyle/>
-          <a:p>
-            <a:pPr marL="0" marR="0" lvl="0" indent="0" algn="r" defTabSz="457200" rtl="0" eaLnBrk="1" fontAlgn="base" latinLnBrk="0" hangingPunct="1">
-              <a:lnSpc>
-                <a:spcPct val="100000"/>
-              </a:lnSpc>
-              <a:spcBef>
-                <a:spcPct val="0"/>
-              </a:spcBef>
-              <a:spcAft>
-                <a:spcPct val="0"/>
-              </a:spcAft>
-              <a:buClrTx/>
-              <a:buSzTx/>
-              <a:buFontTx/>
-              <a:buNone/>
-              <a:defRPr/>
-            </a:pPr>
-            <a:fld id="{677C3CE7-23F7-4828-823C-E0205DF2CF97}" type="slidenum">
-              <a:rPr kumimoji="0" lang="en-US" sz="1200" b="1" i="0" u="none" strike="noStrike" kern="1200" cap="none" spc="0" normalizeH="0" baseline="0" noProof="0">
-                <a:ln>
-                  <a:noFill/>
-                </a:ln>
-                <a:solidFill>
-                  <a:prstClr val="white"/>
-                </a:solidFill>
-                <a:effectLst/>
-                <a:uLnTx/>
-                <a:uFillTx/>
-                <a:latin typeface="TradeGothic" pitchFamily="1" charset="0"/>
-                <a:ea typeface="MS PGothic" panose="020B0600070205080204" pitchFamily="1" charset="-128"/>
-                <a:cs typeface="+mn-cs"/>
-              </a:rPr>
-              <a:t>4</a:t>
-            </a:fld>
-            <a:endParaRPr kumimoji="0" lang="en-US" sz="1200" b="1" i="0" u="none" strike="noStrike" kern="1200" cap="none" spc="0" normalizeH="0" baseline="0" noProof="0" dirty="0">
-              <a:ln>
-                <a:noFill/>
-              </a:ln>
-              <a:solidFill>
-                <a:prstClr val="white"/>
-              </a:solidFill>
-              <a:effectLst/>
-              <a:uLnTx/>
-              <a:uFillTx/>
-              <a:latin typeface="TradeGothic" pitchFamily="1" charset="0"/>
-              <a:ea typeface="MS PGothic" panose="020B0600070205080204" pitchFamily="1" charset="-128"/>
-              <a:cs typeface="+mn-cs"/>
-            </a:endParaRPr>
-          </a:p>
-        </p:txBody>
-      </p:sp>
-      <p:sp>
-        <p:nvSpPr>
-          <p:cNvPr id="7" name="Footer Placeholder 6"/>
-          <p:cNvSpPr>
-            <a:spLocks noGrp="1"/>
-          </p:cNvSpPr>
-          <p:nvPr>
-            <p:ph type="ftr" sz="quarter" idx="11"/>
-          </p:nvPr>
-        </p:nvSpPr>
-        <p:spPr>
-          <a:xfrm>
-            <a:off x="4648200" y="6356353"/>
-            <a:ext cx="3204000" cy="365125"/>
-          </a:xfrm>
-        </p:spPr>
-        <p:txBody>
-          <a:bodyPr/>
-          <a:lstStyle/>
-          <a:p>
-            <a:pPr marL="0" marR="0" lvl="0" indent="0" algn="ctr" defTabSz="457200" rtl="0" eaLnBrk="1" fontAlgn="auto" latinLnBrk="0" hangingPunct="1">
-              <a:lnSpc>
-                <a:spcPct val="100000"/>
-              </a:lnSpc>
-              <a:spcBef>
-                <a:spcPts val="0"/>
-              </a:spcBef>
-              <a:spcAft>
-                <a:spcPts val="0"/>
-              </a:spcAft>
-              <a:buClrTx/>
-              <a:buSzTx/>
-              <a:buFontTx/>
-              <a:buNone/>
-              <a:defRPr/>
-            </a:pPr>
-            <a:r>
-              <a:rPr kumimoji="0" lang="en-US" sz="1200" b="0" i="0" u="none" strike="noStrike" kern="1200" cap="none" spc="0" normalizeH="0" baseline="0" noProof="0" dirty="0">
-                <a:ln>
-                  <a:noFill/>
-                </a:ln>
-                <a:solidFill>
-                  <a:prstClr val="white"/>
-                </a:solidFill>
-                <a:effectLst/>
-                <a:uLnTx/>
-                <a:uFillTx/>
-                <a:latin typeface="TradeGothic"/>
-                <a:ea typeface="+mn-ea"/>
-                <a:cs typeface="+mn-cs"/>
-              </a:rPr>
-              <a:t>@SIH Idea submission</a:t>
-            </a:r>
-          </a:p>
-        </p:txBody>
-      </p:sp>
-      <p:pic>
-        <p:nvPicPr>
-          <p:cNvPr id="8" name="Google Shape;93;p2"/>
-          <p:cNvPicPr preferRelativeResize="0"/>
-          <p:nvPr/>
-        </p:nvPicPr>
-        <p:blipFill rotWithShape="1">
-          <a:blip r:embed="rId3"/>
-          <a:srcRect/>
-          <a:stretch>
-            <a:fillRect/>
-          </a:stretch>
-        </p:blipFill>
-        <p:spPr>
-          <a:xfrm>
-            <a:off x="9803911" y="81376"/>
-            <a:ext cx="2246575" cy="1149075"/>
-          </a:xfrm>
-          <a:prstGeom prst="rect">
-            <a:avLst/>
-          </a:prstGeom>
-          <a:noFill/>
-          <a:ln>
-            <a:noFill/>
-          </a:ln>
-        </p:spPr>
-      </p:pic>
-      <p:sp>
-        <p:nvSpPr>
-          <p:cNvPr id="2" name="TextBox 8"/>
-          <p:cNvSpPr txBox="1">
-            <a:spLocks noChangeArrowheads="1"/>
-          </p:cNvSpPr>
-          <p:nvPr/>
-        </p:nvSpPr>
-        <p:spPr bwMode="auto">
-          <a:xfrm>
-            <a:off x="537000" y="1213497"/>
-            <a:ext cx="5843541" cy="4601260"/>
-          </a:xfrm>
-          <a:prstGeom prst="rect">
-            <a:avLst/>
-          </a:prstGeom>
-          <a:noFill/>
-          <a:ln w="9525">
-            <a:noFill/>
-            <a:miter lim="800000"/>
-          </a:ln>
-        </p:spPr>
-        <p:txBody>
-          <a:bodyPr wrap="square">
-            <a:spAutoFit/>
-          </a:bodyPr>
-          <a:lstStyle/>
-          <a:p>
-            <a:pPr algn="just">
-              <a:defRPr/>
-            </a:pPr>
-            <a:r>
-              <a:rPr lang="en-US" sz="2400" b="1" u="sng" dirty="0">
-                <a:solidFill>
-                  <a:prstClr val="black"/>
-                </a:solidFill>
-                <a:latin typeface="Arial" panose="020B0604020202020204" pitchFamily="34" charset="0"/>
-                <a:cs typeface="Arial" panose="020B0604020202020204" pitchFamily="34" charset="0"/>
-              </a:rPr>
-              <a:t>Feasibility:</a:t>
-            </a:r>
-          </a:p>
-          <a:p>
-            <a:pPr algn="just">
-              <a:defRPr/>
-            </a:pPr>
-            <a:endParaRPr lang="en-US" sz="800" b="1" dirty="0">
-              <a:solidFill>
-                <a:prstClr val="black"/>
-              </a:solidFill>
-              <a:latin typeface="Arial" panose="020B0604020202020204" pitchFamily="34" charset="0"/>
-              <a:cs typeface="Arial" panose="020B0604020202020204" pitchFamily="34" charset="0"/>
-            </a:endParaRPr>
-          </a:p>
-          <a:p>
-            <a:pPr marL="342900" indent="-342900" algn="just">
-              <a:buFont typeface="Arial" panose="020B0604020202020204" pitchFamily="34" charset="0"/>
-              <a:buChar char="•"/>
-              <a:defRPr/>
-            </a:pPr>
-            <a:r>
-              <a:rPr lang="en-US" sz="2000" b="1" dirty="0">
-                <a:solidFill>
-                  <a:prstClr val="black"/>
-                </a:solidFill>
-                <a:latin typeface="Arial" panose="020B0604020202020204" pitchFamily="34" charset="0"/>
-                <a:cs typeface="Arial" panose="020B0604020202020204" pitchFamily="34" charset="0"/>
-              </a:rPr>
-              <a:t>Technical: </a:t>
-            </a:r>
-            <a:r>
-              <a:rPr lang="en-US" sz="2000" dirty="0">
-                <a:solidFill>
-                  <a:prstClr val="black"/>
-                </a:solidFill>
-                <a:latin typeface="Arial" panose="020B0604020202020204" pitchFamily="34" charset="0"/>
-                <a:cs typeface="Arial" panose="020B0604020202020204" pitchFamily="34" charset="0"/>
-              </a:rPr>
-              <a:t>Integrating LLM with RAG for </a:t>
-            </a:r>
-            <a:r>
-              <a:rPr lang="en-US" sz="2000" dirty="0" err="1">
-                <a:solidFill>
-                  <a:prstClr val="black"/>
-                </a:solidFill>
-                <a:latin typeface="Arial" panose="020B0604020202020204" pitchFamily="34" charset="0"/>
-                <a:cs typeface="Arial" panose="020B0604020202020204" pitchFamily="34" charset="0"/>
-              </a:rPr>
-              <a:t>MAVLink</a:t>
-            </a:r>
-            <a:r>
-              <a:rPr lang="en-US" sz="2000" dirty="0">
-                <a:solidFill>
-                  <a:prstClr val="black"/>
-                </a:solidFill>
-                <a:latin typeface="Arial" panose="020B0604020202020204" pitchFamily="34" charset="0"/>
-                <a:cs typeface="Arial" panose="020B0604020202020204" pitchFamily="34" charset="0"/>
-              </a:rPr>
-              <a:t>* is feasible due to its simple structure. Vision capability boosts navigation, and natural language input enables scalability across </a:t>
-            </a:r>
-            <a:r>
-              <a:rPr lang="en-US" sz="2000" b="1" dirty="0">
-                <a:solidFill>
-                  <a:prstClr val="black"/>
-                </a:solidFill>
-                <a:latin typeface="Arial" panose="020B0604020202020204" pitchFamily="34" charset="0"/>
-                <a:cs typeface="Arial" panose="020B0604020202020204" pitchFamily="34" charset="0"/>
-              </a:rPr>
-              <a:t>virtually every industry.</a:t>
-            </a:r>
-          </a:p>
-          <a:p>
-            <a:pPr marL="342900" indent="-342900" algn="just">
-              <a:buFont typeface="Arial" panose="020B0604020202020204" pitchFamily="34" charset="0"/>
-              <a:buChar char="•"/>
-              <a:defRPr/>
-            </a:pPr>
-            <a:endParaRPr lang="en-IN" sz="1050" dirty="0"/>
-          </a:p>
-          <a:p>
-            <a:pPr marL="342900" indent="-342900">
-              <a:buFont typeface="Arial" panose="020B0604020202020204" pitchFamily="34" charset="0"/>
-              <a:buChar char="•"/>
-            </a:pPr>
-            <a:r>
-              <a:rPr lang="en-US" sz="2000" b="1" dirty="0"/>
-              <a:t>Financial: </a:t>
-            </a:r>
-            <a:r>
-              <a:rPr lang="en-US" sz="2000" dirty="0"/>
-              <a:t>Initial GPU or cloud costs may be high, but integration with latest lightweight </a:t>
-            </a:r>
-            <a:r>
-              <a:rPr lang="en-US" sz="2000" b="1" dirty="0"/>
-              <a:t>open-source</a:t>
-            </a:r>
-            <a:r>
-              <a:rPr lang="en-US" sz="2000" dirty="0"/>
-              <a:t> </a:t>
-            </a:r>
-            <a:r>
-              <a:rPr lang="en-US" sz="2000" b="1" dirty="0"/>
-              <a:t>models</a:t>
-            </a:r>
-            <a:r>
-              <a:rPr lang="en-US" sz="2000" dirty="0"/>
-              <a:t> can </a:t>
-            </a:r>
-            <a:r>
-              <a:rPr lang="en-US" sz="2000" b="1" dirty="0"/>
-              <a:t>lower long term expenses</a:t>
-            </a:r>
-            <a:r>
-              <a:rPr lang="en-US" sz="2000" dirty="0"/>
-              <a:t>, with strong market demand supporting investment.</a:t>
-            </a:r>
-          </a:p>
-          <a:p>
-            <a:pPr marL="342900" indent="-342900">
-              <a:buFont typeface="Arial" panose="020B0604020202020204" pitchFamily="34" charset="0"/>
-              <a:buChar char="•"/>
-            </a:pPr>
-            <a:endParaRPr lang="en-US" sz="1050" dirty="0"/>
-          </a:p>
-          <a:p>
-            <a:pPr marL="342900" indent="-342900" algn="just">
-              <a:buFont typeface="Arial" panose="020B0604020202020204" pitchFamily="34" charset="0"/>
-              <a:buChar char="•"/>
-              <a:defRPr/>
-            </a:pPr>
-            <a:r>
-              <a:rPr lang="en-IN" sz="2000" b="1" dirty="0"/>
-              <a:t>Market &amp; Operational</a:t>
-            </a:r>
-            <a:r>
-              <a:rPr lang="en-IN" sz="2000" dirty="0"/>
-              <a:t>:</a:t>
-            </a:r>
-            <a:r>
-              <a:rPr lang="en-US" sz="2000" dirty="0"/>
-              <a:t> The system’s adaptability to hardware and sub-systems already used in Industry makes adoption extremely easy and simple</a:t>
-            </a:r>
-            <a:endParaRPr lang="en-IN" sz="2000" dirty="0"/>
-          </a:p>
-        </p:txBody>
-      </p:sp>
-      <p:sp>
-        <p:nvSpPr>
-          <p:cNvPr id="17" name="TextBox 16">
-            <a:extLst>
-              <a:ext uri="{FF2B5EF4-FFF2-40B4-BE49-F238E27FC236}">
-                <a16:creationId xmlns:a16="http://schemas.microsoft.com/office/drawing/2014/main" id="{8EAB82D7-B584-AD94-99E3-32630D6BD890}"/>
-              </a:ext>
-            </a:extLst>
-          </p:cNvPr>
-          <p:cNvSpPr txBox="1"/>
-          <p:nvPr/>
-        </p:nvSpPr>
-        <p:spPr>
-          <a:xfrm>
-            <a:off x="6645349" y="1246517"/>
-            <a:ext cx="5236536" cy="5578450"/>
-          </a:xfrm>
-          <a:prstGeom prst="rect">
-            <a:avLst/>
-          </a:prstGeom>
-          <a:noFill/>
-        </p:spPr>
-        <p:txBody>
-          <a:bodyPr wrap="square" rtlCol="0">
-            <a:spAutoFit/>
-          </a:bodyPr>
-          <a:lstStyle/>
-          <a:p>
-            <a:pPr marR="0" lvl="0" algn="just" defTabSz="457200" rtl="0" eaLnBrk="1" fontAlgn="base" latinLnBrk="0" hangingPunct="1">
-              <a:lnSpc>
-                <a:spcPct val="100000"/>
-              </a:lnSpc>
-              <a:spcBef>
-                <a:spcPct val="0"/>
-              </a:spcBef>
-              <a:spcAft>
-                <a:spcPct val="0"/>
-              </a:spcAft>
-              <a:buClrTx/>
-              <a:buSzTx/>
-              <a:defRPr/>
-            </a:pPr>
-            <a:r>
-              <a:rPr lang="en-US" sz="2400" b="1" u="sng" dirty="0">
-                <a:solidFill>
-                  <a:prstClr val="black"/>
-                </a:solidFill>
-                <a:latin typeface="+mn-lt"/>
-                <a:cs typeface="Arial" panose="020B0604020202020204" pitchFamily="34" charset="0"/>
-              </a:rPr>
-              <a:t>Potential challenges and risks:</a:t>
-            </a:r>
-          </a:p>
-          <a:p>
-            <a:pPr marL="342900" indent="-342900">
-              <a:buFont typeface="Arial" panose="020B0604020202020204" pitchFamily="34" charset="0"/>
-              <a:buChar char="•"/>
-            </a:pPr>
-            <a:r>
-              <a:rPr lang="en-US" sz="2000" dirty="0">
-                <a:latin typeface="+mn-lt"/>
-              </a:rPr>
-              <a:t>Challenges include </a:t>
-            </a:r>
-            <a:r>
-              <a:rPr lang="en-US" sz="2000" b="1" dirty="0">
-                <a:latin typeface="+mn-lt"/>
-              </a:rPr>
-              <a:t>real-time accuracy</a:t>
-            </a:r>
-            <a:r>
-              <a:rPr lang="en-US" sz="2000" dirty="0">
-                <a:latin typeface="+mn-lt"/>
-              </a:rPr>
-              <a:t>, hardware </a:t>
-            </a:r>
-            <a:r>
-              <a:rPr lang="en-US" sz="2000" b="1" dirty="0">
-                <a:latin typeface="+mn-lt"/>
-              </a:rPr>
-              <a:t>compatibility </a:t>
-            </a:r>
-            <a:r>
-              <a:rPr lang="en-US" sz="2000" dirty="0">
-                <a:latin typeface="+mn-lt"/>
-              </a:rPr>
-              <a:t>and</a:t>
-            </a:r>
-            <a:r>
-              <a:rPr lang="en-US" sz="2000" b="1" dirty="0">
-                <a:latin typeface="+mn-lt"/>
-              </a:rPr>
-              <a:t> </a:t>
-            </a:r>
-            <a:r>
-              <a:rPr lang="en-US" sz="2000" dirty="0">
-                <a:latin typeface="+mn-lt"/>
-              </a:rPr>
-              <a:t>high computational costs. Robust testing and troubleshooting will be crucial for success.</a:t>
-            </a:r>
-          </a:p>
-          <a:p>
-            <a:endParaRPr lang="en-US" sz="1050" dirty="0">
-              <a:solidFill>
-                <a:prstClr val="black"/>
-              </a:solidFill>
-              <a:latin typeface="+mn-lt"/>
-              <a:cs typeface="Arial" panose="020B0604020202020204" pitchFamily="34" charset="0"/>
-            </a:endParaRPr>
-          </a:p>
-          <a:p>
-            <a:pPr marR="0" lvl="0" algn="l" defTabSz="457200" rtl="0" eaLnBrk="1" fontAlgn="base" latinLnBrk="0" hangingPunct="1">
-              <a:lnSpc>
-                <a:spcPct val="100000"/>
-              </a:lnSpc>
-              <a:spcBef>
-                <a:spcPct val="0"/>
-              </a:spcBef>
-              <a:spcAft>
-                <a:spcPct val="0"/>
-              </a:spcAft>
-              <a:buClrTx/>
-              <a:buSzTx/>
-              <a:defRPr/>
-            </a:pPr>
-            <a:r>
-              <a:rPr kumimoji="0" lang="en-US" sz="2000" b="1" i="0" u="sng" strike="noStrike" kern="1200" cap="none" spc="0" normalizeH="0" baseline="0" noProof="0" dirty="0">
-                <a:ln>
-                  <a:noFill/>
-                </a:ln>
-                <a:solidFill>
-                  <a:prstClr val="black"/>
-                </a:solidFill>
-                <a:effectLst/>
-                <a:uLnTx/>
-                <a:uFillTx/>
-                <a:latin typeface="+mn-lt"/>
-                <a:ea typeface="MS PGothic" panose="020B0600070205080204" pitchFamily="1" charset="-128"/>
-                <a:cs typeface="Arial" panose="020B0604020202020204" pitchFamily="34" charset="0"/>
-              </a:rPr>
-              <a:t>Strategies</a:t>
-            </a:r>
-            <a:r>
-              <a:rPr kumimoji="0" lang="en-US" sz="2000" b="1" i="0" u="sng" strike="noStrike" kern="1200" cap="none" spc="0" normalizeH="0" noProof="0" dirty="0">
-                <a:ln>
-                  <a:noFill/>
-                </a:ln>
-                <a:solidFill>
-                  <a:prstClr val="black"/>
-                </a:solidFill>
-                <a:effectLst/>
-                <a:uLnTx/>
-                <a:uFillTx/>
-                <a:latin typeface="+mn-lt"/>
-                <a:ea typeface="MS PGothic" panose="020B0600070205080204" pitchFamily="1" charset="-128"/>
-                <a:cs typeface="Arial" panose="020B0604020202020204" pitchFamily="34" charset="0"/>
-              </a:rPr>
-              <a:t> for overcoming these challenges:</a:t>
-            </a:r>
-          </a:p>
-          <a:p>
-            <a:pPr marR="0" lvl="0" algn="l" defTabSz="457200" rtl="0" eaLnBrk="1" fontAlgn="base" latinLnBrk="0" hangingPunct="1">
-              <a:lnSpc>
-                <a:spcPct val="100000"/>
-              </a:lnSpc>
-              <a:spcBef>
-                <a:spcPct val="0"/>
-              </a:spcBef>
-              <a:spcAft>
-                <a:spcPct val="0"/>
-              </a:spcAft>
-              <a:buClrTx/>
-              <a:buSzTx/>
-              <a:defRPr/>
-            </a:pPr>
-            <a:endParaRPr kumimoji="0" lang="en-US" sz="800" b="1" i="0" u="sng" strike="noStrike" kern="1200" cap="none" spc="0" normalizeH="0" noProof="0" dirty="0">
-              <a:ln>
-                <a:noFill/>
-              </a:ln>
-              <a:solidFill>
-                <a:prstClr val="black"/>
-              </a:solidFill>
-              <a:effectLst/>
-              <a:uLnTx/>
-              <a:uFillTx/>
-              <a:latin typeface="+mn-lt"/>
-              <a:ea typeface="MS PGothic" panose="020B0600070205080204" pitchFamily="1" charset="-128"/>
-              <a:cs typeface="Arial" panose="020B0604020202020204" pitchFamily="34" charset="0"/>
-            </a:endParaRPr>
-          </a:p>
-          <a:p>
-            <a:pPr marL="342900" marR="0" lvl="0" indent="-342900" algn="l" defTabSz="457200" rtl="0" eaLnBrk="1" fontAlgn="base" latinLnBrk="0" hangingPunct="1">
-              <a:lnSpc>
-                <a:spcPct val="100000"/>
-              </a:lnSpc>
-              <a:spcBef>
-                <a:spcPct val="0"/>
-              </a:spcBef>
-              <a:spcAft>
-                <a:spcPct val="0"/>
-              </a:spcAft>
-              <a:buClrTx/>
-              <a:buSzTx/>
-              <a:buFont typeface="Arial" panose="020B0604020202020204" pitchFamily="34" charset="0"/>
-              <a:buChar char="•"/>
-              <a:defRPr/>
-            </a:pPr>
-            <a:r>
-              <a:rPr kumimoji="0" lang="en-US" sz="2000" i="0" u="none" strike="noStrike" kern="1200" cap="none" spc="0" normalizeH="0" noProof="0" dirty="0">
-                <a:ln>
-                  <a:noFill/>
-                </a:ln>
-                <a:solidFill>
-                  <a:prstClr val="black"/>
-                </a:solidFill>
-                <a:effectLst/>
-                <a:uLnTx/>
-                <a:uFillTx/>
-                <a:latin typeface="+mn-lt"/>
-                <a:ea typeface="MS PGothic" panose="020B0600070205080204" pitchFamily="1" charset="-128"/>
-                <a:cs typeface="Arial" panose="020B0604020202020204" pitchFamily="34" charset="0"/>
-              </a:rPr>
-              <a:t>Use </a:t>
-            </a:r>
-            <a:r>
-              <a:rPr kumimoji="0" lang="en-US" sz="2000" b="1" i="0" u="none" strike="noStrike" kern="1200" cap="none" spc="0" normalizeH="0" noProof="0" dirty="0">
-                <a:ln>
-                  <a:noFill/>
-                </a:ln>
-                <a:solidFill>
-                  <a:prstClr val="black"/>
-                </a:solidFill>
-                <a:effectLst/>
-                <a:uLnTx/>
-                <a:uFillTx/>
-                <a:latin typeface="+mn-lt"/>
-                <a:ea typeface="MS PGothic" panose="020B0600070205080204" pitchFamily="1" charset="-128"/>
-                <a:cs typeface="Arial" panose="020B0604020202020204" pitchFamily="34" charset="0"/>
-              </a:rPr>
-              <a:t>modular testing </a:t>
-            </a:r>
-            <a:r>
-              <a:rPr kumimoji="0" lang="en-US" sz="2000" i="0" u="none" strike="noStrike" kern="1200" cap="none" spc="0" normalizeH="0" noProof="0" dirty="0">
-                <a:ln>
-                  <a:noFill/>
-                </a:ln>
-                <a:solidFill>
-                  <a:prstClr val="black"/>
-                </a:solidFill>
-                <a:effectLst/>
-                <a:uLnTx/>
-                <a:uFillTx/>
-                <a:latin typeface="+mn-lt"/>
-                <a:ea typeface="MS PGothic" panose="020B0600070205080204" pitchFamily="1" charset="-128"/>
-                <a:cs typeface="Arial" panose="020B0604020202020204" pitchFamily="34" charset="0"/>
-              </a:rPr>
-              <a:t>for hardware </a:t>
-            </a:r>
-            <a:endParaRPr lang="en-US" sz="2000" dirty="0">
-              <a:solidFill>
-                <a:prstClr val="black"/>
-              </a:solidFill>
-              <a:latin typeface="+mn-lt"/>
-              <a:cs typeface="Arial" panose="020B0604020202020204" pitchFamily="34" charset="0"/>
-            </a:endParaRPr>
-          </a:p>
-          <a:p>
-            <a:pPr marR="0" lvl="0" algn="l" defTabSz="457200" rtl="0" eaLnBrk="1" fontAlgn="base" latinLnBrk="0" hangingPunct="1">
-              <a:lnSpc>
-                <a:spcPct val="100000"/>
-              </a:lnSpc>
-              <a:spcBef>
-                <a:spcPct val="0"/>
-              </a:spcBef>
-              <a:spcAft>
-                <a:spcPct val="0"/>
-              </a:spcAft>
-              <a:buClrTx/>
-              <a:buSzTx/>
-              <a:defRPr/>
-            </a:pPr>
-            <a:r>
-              <a:rPr lang="en-US" sz="2000" dirty="0">
-                <a:solidFill>
-                  <a:prstClr val="black"/>
-                </a:solidFill>
-                <a:latin typeface="+mn-lt"/>
-                <a:cs typeface="Arial" panose="020B0604020202020204" pitchFamily="34" charset="0"/>
-              </a:rPr>
-              <a:t>	</a:t>
-            </a:r>
-            <a:r>
-              <a:rPr kumimoji="0" lang="en-US" sz="2000" i="0" u="none" strike="noStrike" kern="1200" cap="none" spc="0" normalizeH="0" noProof="0" dirty="0">
-                <a:ln>
-                  <a:noFill/>
-                </a:ln>
-                <a:solidFill>
-                  <a:prstClr val="black"/>
-                </a:solidFill>
-                <a:effectLst/>
-                <a:uLnTx/>
-                <a:uFillTx/>
-                <a:latin typeface="+mn-lt"/>
-                <a:ea typeface="MS PGothic" panose="020B0600070205080204" pitchFamily="1" charset="-128"/>
-                <a:cs typeface="Arial" panose="020B0604020202020204" pitchFamily="34" charset="0"/>
-              </a:rPr>
-              <a:t>integration.</a:t>
-            </a:r>
-          </a:p>
-          <a:p>
-            <a:pPr marL="342900" marR="0" lvl="0" indent="-342900" algn="l" defTabSz="457200" rtl="0" eaLnBrk="1" fontAlgn="base" latinLnBrk="0" hangingPunct="1">
-              <a:lnSpc>
-                <a:spcPct val="100000"/>
-              </a:lnSpc>
-              <a:spcBef>
-                <a:spcPct val="0"/>
-              </a:spcBef>
-              <a:spcAft>
-                <a:spcPct val="0"/>
-              </a:spcAft>
-              <a:buClrTx/>
-              <a:buSzTx/>
-              <a:buFont typeface="Arial" panose="020B0604020202020204" pitchFamily="34" charset="0"/>
-              <a:buChar char="•"/>
-              <a:defRPr/>
-            </a:pPr>
-            <a:r>
-              <a:rPr kumimoji="0" lang="en-US" sz="2000" b="1" i="0" u="none" strike="noStrike" kern="1200" cap="none" spc="0" normalizeH="0" noProof="0" dirty="0">
-                <a:ln>
-                  <a:noFill/>
-                </a:ln>
-                <a:solidFill>
-                  <a:prstClr val="black"/>
-                </a:solidFill>
-                <a:effectLst/>
-                <a:uLnTx/>
-                <a:uFillTx/>
-                <a:latin typeface="+mn-lt"/>
-                <a:ea typeface="MS PGothic" panose="020B0600070205080204" pitchFamily="1" charset="-128"/>
-                <a:cs typeface="Arial" panose="020B0604020202020204" pitchFamily="34" charset="0"/>
-              </a:rPr>
-              <a:t>Fine-tune LLMs </a:t>
-            </a:r>
-            <a:r>
-              <a:rPr kumimoji="0" lang="en-US" sz="2000" i="0" u="none" strike="noStrike" kern="1200" cap="none" spc="0" normalizeH="0" noProof="0" dirty="0">
-                <a:ln>
-                  <a:noFill/>
-                </a:ln>
-                <a:solidFill>
-                  <a:prstClr val="black"/>
-                </a:solidFill>
-                <a:effectLst/>
-                <a:uLnTx/>
-                <a:uFillTx/>
-                <a:latin typeface="+mn-lt"/>
-                <a:ea typeface="MS PGothic" panose="020B0600070205080204" pitchFamily="1" charset="-128"/>
-                <a:cs typeface="Arial" panose="020B0604020202020204" pitchFamily="34" charset="0"/>
-              </a:rPr>
-              <a:t>with existing protocols.</a:t>
-            </a:r>
-          </a:p>
-          <a:p>
-            <a:pPr marL="342900" marR="0" lvl="0" indent="-342900" algn="l" defTabSz="457200" rtl="0" eaLnBrk="1" fontAlgn="base" latinLnBrk="0" hangingPunct="1">
-              <a:lnSpc>
-                <a:spcPct val="100000"/>
-              </a:lnSpc>
-              <a:spcBef>
-                <a:spcPct val="0"/>
-              </a:spcBef>
-              <a:spcAft>
-                <a:spcPct val="0"/>
-              </a:spcAft>
-              <a:buClrTx/>
-              <a:buSzTx/>
-              <a:buFont typeface="Arial" panose="020B0604020202020204" pitchFamily="34" charset="0"/>
-              <a:buChar char="•"/>
-              <a:defRPr/>
-            </a:pPr>
-            <a:r>
-              <a:rPr kumimoji="0" lang="en-US" sz="2000" i="0" u="none" strike="noStrike" kern="1200" cap="none" spc="0" normalizeH="0" noProof="0" dirty="0">
-                <a:ln>
-                  <a:noFill/>
-                </a:ln>
-                <a:solidFill>
-                  <a:prstClr val="black"/>
-                </a:solidFill>
-                <a:effectLst/>
-                <a:uLnTx/>
-                <a:uFillTx/>
-                <a:latin typeface="+mn-lt"/>
-                <a:ea typeface="MS PGothic" panose="020B0600070205080204" pitchFamily="1" charset="-128"/>
-                <a:cs typeface="Arial" panose="020B0604020202020204" pitchFamily="34" charset="0"/>
-              </a:rPr>
-              <a:t>Optimize algorithms to </a:t>
-            </a:r>
-            <a:r>
-              <a:rPr kumimoji="0" lang="en-US" sz="2000" b="1" i="0" u="none" strike="noStrike" kern="1200" cap="none" spc="0" normalizeH="0" noProof="0" dirty="0">
-                <a:ln>
-                  <a:noFill/>
-                </a:ln>
-                <a:solidFill>
-                  <a:prstClr val="black"/>
-                </a:solidFill>
-                <a:effectLst/>
-                <a:uLnTx/>
-                <a:uFillTx/>
-                <a:latin typeface="+mn-lt"/>
-                <a:ea typeface="MS PGothic" panose="020B0600070205080204" pitchFamily="1" charset="-128"/>
-                <a:cs typeface="Arial" panose="020B0604020202020204" pitchFamily="34" charset="0"/>
-              </a:rPr>
-              <a:t>reduce</a:t>
-            </a:r>
-            <a:r>
-              <a:rPr kumimoji="0" lang="en-US" sz="2000" i="0" u="none" strike="noStrike" kern="1200" cap="none" spc="0" normalizeH="0" noProof="0" dirty="0">
-                <a:ln>
-                  <a:noFill/>
-                </a:ln>
-                <a:solidFill>
-                  <a:prstClr val="black"/>
-                </a:solidFill>
-                <a:effectLst/>
-                <a:uLnTx/>
-                <a:uFillTx/>
-                <a:latin typeface="+mn-lt"/>
-                <a:ea typeface="MS PGothic" panose="020B0600070205080204" pitchFamily="1" charset="-128"/>
-                <a:cs typeface="Arial" panose="020B0604020202020204" pitchFamily="34" charset="0"/>
-              </a:rPr>
-              <a:t> computation costs.</a:t>
-            </a:r>
-          </a:p>
-          <a:p>
-            <a:pPr marL="342900" marR="0" lvl="0" indent="-342900" algn="l" defTabSz="457200" rtl="0" eaLnBrk="1" fontAlgn="base" latinLnBrk="0" hangingPunct="1">
-              <a:lnSpc>
-                <a:spcPct val="100000"/>
-              </a:lnSpc>
-              <a:spcBef>
-                <a:spcPct val="0"/>
-              </a:spcBef>
-              <a:spcAft>
-                <a:spcPct val="0"/>
-              </a:spcAft>
-              <a:buClrTx/>
-              <a:buSzTx/>
-              <a:buFont typeface="Arial" panose="020B0604020202020204" pitchFamily="34" charset="0"/>
-              <a:buChar char="•"/>
-              <a:defRPr/>
-            </a:pPr>
-            <a:r>
-              <a:rPr kumimoji="0" lang="en-US" sz="2000" i="0" u="none" strike="noStrike" kern="1200" cap="none" spc="0" normalizeH="0" noProof="0" dirty="0">
-                <a:ln>
-                  <a:noFill/>
-                </a:ln>
-                <a:solidFill>
-                  <a:prstClr val="black"/>
-                </a:solidFill>
-                <a:effectLst/>
-                <a:uLnTx/>
-                <a:uFillTx/>
-                <a:latin typeface="+mn-lt"/>
-                <a:ea typeface="MS PGothic" panose="020B0600070205080204" pitchFamily="1" charset="-128"/>
-                <a:cs typeface="Arial" panose="020B0604020202020204" pitchFamily="34" charset="0"/>
-              </a:rPr>
-              <a:t>Implement </a:t>
-            </a:r>
-            <a:r>
-              <a:rPr kumimoji="0" lang="en-US" sz="2000" b="1" i="0" u="none" strike="noStrike" kern="1200" cap="none" spc="0" normalizeH="0" noProof="0" dirty="0">
-                <a:ln>
-                  <a:noFill/>
-                </a:ln>
-                <a:solidFill>
-                  <a:prstClr val="black"/>
-                </a:solidFill>
-                <a:effectLst/>
-                <a:uLnTx/>
-                <a:uFillTx/>
-                <a:latin typeface="+mn-lt"/>
-                <a:ea typeface="MS PGothic" panose="020B0600070205080204" pitchFamily="1" charset="-128"/>
-                <a:cs typeface="Arial" panose="020B0604020202020204" pitchFamily="34" charset="0"/>
-              </a:rPr>
-              <a:t>safety protocols </a:t>
-            </a:r>
-            <a:r>
-              <a:rPr kumimoji="0" lang="en-US" sz="2000" i="0" u="none" strike="noStrike" kern="1200" cap="none" spc="0" normalizeH="0" noProof="0" dirty="0">
-                <a:ln>
-                  <a:noFill/>
-                </a:ln>
-                <a:solidFill>
-                  <a:prstClr val="black"/>
-                </a:solidFill>
-                <a:effectLst/>
-                <a:uLnTx/>
-                <a:uFillTx/>
-                <a:latin typeface="+mn-lt"/>
-                <a:ea typeface="MS PGothic" panose="020B0600070205080204" pitchFamily="1" charset="-128"/>
-                <a:cs typeface="Arial" panose="020B0604020202020204" pitchFamily="34" charset="0"/>
-              </a:rPr>
-              <a:t>and redundancy.</a:t>
-            </a:r>
-          </a:p>
-          <a:p>
-            <a:pPr marL="342900" marR="0" lvl="0" indent="-342900" algn="l" defTabSz="457200" rtl="0" eaLnBrk="1" fontAlgn="base" latinLnBrk="0" hangingPunct="1">
-              <a:lnSpc>
-                <a:spcPct val="100000"/>
-              </a:lnSpc>
-              <a:spcBef>
-                <a:spcPct val="0"/>
-              </a:spcBef>
-              <a:spcAft>
-                <a:spcPct val="0"/>
-              </a:spcAft>
-              <a:buClrTx/>
-              <a:buSzTx/>
-              <a:buFont typeface="Arial" panose="020B0604020202020204" pitchFamily="34" charset="0"/>
-              <a:buChar char="•"/>
-              <a:defRPr/>
-            </a:pPr>
-            <a:r>
-              <a:rPr kumimoji="0" lang="en-US" sz="2000" i="0" u="none" strike="noStrike" kern="1200" cap="none" spc="0" normalizeH="0" noProof="0" dirty="0">
-                <a:ln>
-                  <a:noFill/>
-                </a:ln>
-                <a:solidFill>
-                  <a:prstClr val="black"/>
-                </a:solidFill>
-                <a:effectLst/>
-                <a:uLnTx/>
-                <a:uFillTx/>
-                <a:latin typeface="+mn-lt"/>
-                <a:ea typeface="MS PGothic" panose="020B0600070205080204" pitchFamily="1" charset="-128"/>
-                <a:cs typeface="Arial" panose="020B0604020202020204" pitchFamily="34" charset="0"/>
-              </a:rPr>
-              <a:t>Use </a:t>
-            </a:r>
-            <a:r>
-              <a:rPr kumimoji="0" lang="en-US" sz="2000" b="1" i="0" u="none" strike="noStrike" kern="1200" cap="none" spc="0" normalizeH="0" noProof="0" dirty="0">
-                <a:ln>
-                  <a:noFill/>
-                </a:ln>
-                <a:solidFill>
-                  <a:prstClr val="black"/>
-                </a:solidFill>
-                <a:effectLst/>
-                <a:uLnTx/>
-                <a:uFillTx/>
-                <a:latin typeface="+mn-lt"/>
-                <a:ea typeface="MS PGothic" panose="020B0600070205080204" pitchFamily="1" charset="-128"/>
-                <a:cs typeface="Arial" panose="020B0604020202020204" pitchFamily="34" charset="0"/>
-              </a:rPr>
-              <a:t>reinforcement learning </a:t>
-            </a:r>
-            <a:r>
-              <a:rPr kumimoji="0" lang="en-US" sz="2000" i="0" u="none" strike="noStrike" kern="1200" cap="none" spc="0" normalizeH="0" noProof="0" dirty="0">
-                <a:ln>
-                  <a:noFill/>
-                </a:ln>
-                <a:solidFill>
-                  <a:prstClr val="black"/>
-                </a:solidFill>
-                <a:effectLst/>
-                <a:uLnTx/>
-                <a:uFillTx/>
-                <a:latin typeface="+mn-lt"/>
-                <a:ea typeface="MS PGothic" panose="020B0600070205080204" pitchFamily="1" charset="-128"/>
-                <a:cs typeface="Arial" panose="020B0604020202020204" pitchFamily="34" charset="0"/>
-              </a:rPr>
-              <a:t>for </a:t>
-            </a:r>
-            <a:r>
-              <a:rPr kumimoji="0" lang="en-US" sz="2000" b="1" i="0" u="none" strike="noStrike" kern="1200" cap="none" spc="0" normalizeH="0" noProof="0" dirty="0">
-                <a:ln>
-                  <a:noFill/>
-                </a:ln>
-                <a:solidFill>
-                  <a:prstClr val="black"/>
-                </a:solidFill>
-                <a:effectLst/>
-                <a:uLnTx/>
-                <a:uFillTx/>
-                <a:latin typeface="+mn-lt"/>
-                <a:ea typeface="MS PGothic" panose="020B0600070205080204" pitchFamily="1" charset="-128"/>
-                <a:cs typeface="Arial" panose="020B0604020202020204" pitchFamily="34" charset="0"/>
-              </a:rPr>
-              <a:t>adaptability</a:t>
-            </a:r>
-            <a:r>
-              <a:rPr kumimoji="0" lang="en-US" sz="2000" i="0" u="none" strike="noStrike" kern="1200" cap="none" spc="0" normalizeH="0" noProof="0" dirty="0">
-                <a:ln>
-                  <a:noFill/>
-                </a:ln>
-                <a:solidFill>
-                  <a:prstClr val="black"/>
-                </a:solidFill>
-                <a:effectLst/>
-                <a:uLnTx/>
-                <a:uFillTx/>
-                <a:latin typeface="+mn-lt"/>
-                <a:ea typeface="MS PGothic" panose="020B0600070205080204" pitchFamily="1" charset="-128"/>
-                <a:cs typeface="Arial" panose="020B0604020202020204" pitchFamily="34" charset="0"/>
-              </a:rPr>
-              <a:t> across environments.</a:t>
-            </a:r>
-          </a:p>
-          <a:p>
-            <a:pPr marR="0" lvl="0" algn="l" defTabSz="457200" rtl="0" eaLnBrk="1" fontAlgn="base" latinLnBrk="0" hangingPunct="1">
-              <a:lnSpc>
-                <a:spcPct val="100000"/>
-              </a:lnSpc>
-              <a:spcBef>
-                <a:spcPct val="0"/>
-              </a:spcBef>
-              <a:spcAft>
-                <a:spcPct val="0"/>
-              </a:spcAft>
-              <a:buClrTx/>
-              <a:buSzTx/>
-              <a:defRPr/>
-            </a:pPr>
-            <a:endParaRPr kumimoji="0" lang="en-US" sz="2400" b="1" i="0" u="none" strike="noStrike" kern="1200" cap="none" spc="0" normalizeH="0" noProof="0" dirty="0">
-              <a:ln>
-                <a:noFill/>
-              </a:ln>
-              <a:solidFill>
-                <a:prstClr val="black"/>
-              </a:solidFill>
-              <a:effectLst/>
-              <a:uLnTx/>
-              <a:uFillTx/>
-              <a:latin typeface="Arial" panose="020B0604020202020204" pitchFamily="34" charset="0"/>
-              <a:ea typeface="MS PGothic" panose="020B0600070205080204" pitchFamily="1" charset="-128"/>
-              <a:cs typeface="Arial" panose="020B0604020202020204" pitchFamily="34" charset="0"/>
-            </a:endParaRPr>
-          </a:p>
-          <a:p>
-            <a:endParaRPr lang="en-IN" dirty="0"/>
-          </a:p>
-        </p:txBody>
-      </p:sp>
-      <p:sp>
-        <p:nvSpPr>
-          <p:cNvPr id="4" name="Oval 3" descr="Your startup LOGO">
-            <a:extLst>
-              <a:ext uri="{FF2B5EF4-FFF2-40B4-BE49-F238E27FC236}">
-                <a16:creationId xmlns:a16="http://schemas.microsoft.com/office/drawing/2014/main" id="{EEE4B277-4CDC-1EDA-E5BD-E073CFD89C43}"/>
-              </a:ext>
-            </a:extLst>
-          </p:cNvPr>
-          <p:cNvSpPr/>
-          <p:nvPr/>
-        </p:nvSpPr>
-        <p:spPr>
-          <a:xfrm>
-            <a:off x="329564" y="252095"/>
-            <a:ext cx="2246575" cy="807085"/>
-          </a:xfrm>
-          <a:prstGeom prst="ellipse">
-            <a:avLst/>
-          </a:prstGeom>
-          <a:ln>
-            <a:solidFill>
-              <a:schemeClr val="tx1"/>
-            </a:solidFill>
-          </a:ln>
-        </p:spPr>
-        <p:style>
-          <a:lnRef idx="2">
-            <a:schemeClr val="accent4"/>
-          </a:lnRef>
-          <a:fillRef idx="1">
-            <a:schemeClr val="lt1"/>
-          </a:fillRef>
-          <a:effectRef idx="0">
-            <a:schemeClr val="accent4"/>
-          </a:effectRef>
-          <a:fontRef idx="minor">
-            <a:schemeClr val="dk1"/>
-          </a:fontRef>
-        </p:style>
-        <p:txBody>
-          <a:bodyPr rtlCol="0" anchor="ctr"/>
-          <a:lstStyle/>
-          <a:p>
-            <a:pPr algn="ctr"/>
-            <a:r>
-              <a:rPr lang="en-US" b="1" dirty="0">
-                <a:solidFill>
-                  <a:srgbClr val="7030A0"/>
-                </a:solidFill>
-              </a:rPr>
-              <a:t>Pollux</a:t>
-            </a:r>
-            <a:r>
-              <a:rPr lang="en-US" b="1" dirty="0">
-                <a:solidFill>
-                  <a:schemeClr val="tx1"/>
-                </a:solidFill>
-              </a:rPr>
-              <a:t>Pe</a:t>
-            </a:r>
-            <a:r>
-              <a:rPr lang="en-US" b="1" dirty="0">
-                <a:solidFill>
-                  <a:schemeClr val="accent6"/>
-                </a:solidFill>
-              </a:rPr>
-              <a:t>ng</a:t>
-            </a:r>
-            <a:r>
-              <a:rPr lang="en-US" b="1" dirty="0"/>
-              <a:t>uin</a:t>
-            </a:r>
-            <a:endParaRPr lang="en-IN" b="1" dirty="0"/>
-          </a:p>
-        </p:txBody>
-      </p:sp>
-      <p:sp>
-        <p:nvSpPr>
           <p:cNvPr id="3" name="TextBox 2">
             <a:extLst>
               <a:ext uri="{FF2B5EF4-FFF2-40B4-BE49-F238E27FC236}">
@@ -8339,8 +8584,8 @@
         </p:nvSpPr>
         <p:spPr>
           <a:xfrm>
-            <a:off x="6607426" y="1209271"/>
-            <a:ext cx="5047574" cy="1730631"/>
+            <a:off x="6526562" y="1209271"/>
+            <a:ext cx="5128438" cy="1730631"/>
           </a:xfrm>
           <a:prstGeom prst="rect">
             <a:avLst/>
@@ -8382,8 +8627,8 @@
         </p:nvSpPr>
         <p:spPr>
           <a:xfrm>
-            <a:off x="6607426" y="3052783"/>
-            <a:ext cx="5047574" cy="2874868"/>
+            <a:off x="6526562" y="3052783"/>
+            <a:ext cx="5128438" cy="2874868"/>
           </a:xfrm>
           <a:prstGeom prst="rect">
             <a:avLst/>
@@ -9388,8 +9633,8 @@
         </p:nvSpPr>
         <p:spPr bwMode="auto">
           <a:xfrm>
-            <a:off x="1165514" y="1030227"/>
-            <a:ext cx="9385300" cy="5324535"/>
+            <a:off x="187320" y="1095375"/>
+            <a:ext cx="6266643" cy="5047536"/>
           </a:xfrm>
           <a:prstGeom prst="rect">
             <a:avLst/>
@@ -9411,10 +9656,10 @@
               <a:buAutoNum type="arabicPeriod"/>
             </a:pPr>
             <a:r>
-              <a:rPr lang="en-IN" b="1" dirty="0"/>
+              <a:rPr lang="en-IN" sz="1400" b="1" dirty="0"/>
               <a:t>LLM-informed Drone Visual Inspection for Civil Infrastructure</a:t>
             </a:r>
-            <a:endParaRPr lang="en-IN" dirty="0"/>
+            <a:endParaRPr lang="en-IN" sz="1400" dirty="0"/>
           </a:p>
           <a:p>
             <a:pPr marL="742950" lvl="1" indent="-285750">
@@ -9422,39 +9667,39 @@
               <a:buChar char="•"/>
             </a:pPr>
             <a:r>
-              <a:rPr lang="en-IN" dirty="0"/>
+              <a:rPr lang="en-IN" sz="1400" dirty="0"/>
               <a:t>Authors: </a:t>
             </a:r>
             <a:r>
-              <a:rPr lang="en-IN" dirty="0" err="1"/>
+              <a:rPr lang="en-IN" sz="1400" dirty="0" err="1"/>
               <a:t>Jiucai</a:t>
             </a:r>
             <a:r>
-              <a:rPr lang="en-IN" dirty="0"/>
+              <a:rPr lang="en-IN" sz="1400" dirty="0"/>
               <a:t> Liu, </a:t>
             </a:r>
             <a:r>
-              <a:rPr lang="en-IN" dirty="0" err="1"/>
+              <a:rPr lang="en-IN" sz="1400" dirty="0" err="1"/>
               <a:t>Chengzhang</a:t>
             </a:r>
             <a:r>
-              <a:rPr lang="en-IN" dirty="0"/>
+              <a:rPr lang="en-IN" sz="1400" dirty="0"/>
               <a:t> Chai, </a:t>
             </a:r>
             <a:r>
-              <a:rPr lang="en-IN" dirty="0" err="1"/>
+              <a:rPr lang="en-IN" sz="1400" dirty="0" err="1"/>
               <a:t>Haijiang</a:t>
             </a:r>
             <a:r>
-              <a:rPr lang="en-IN" dirty="0"/>
+              <a:rPr lang="en-IN" sz="1400" dirty="0"/>
               <a:t> Li, Yan Gao, </a:t>
             </a:r>
             <a:r>
-              <a:rPr lang="en-IN" dirty="0" err="1"/>
+              <a:rPr lang="en-IN" sz="1400" dirty="0" err="1"/>
               <a:t>Xiaofeng</a:t>
             </a:r>
             <a:r>
-              <a:rPr lang="en-IN" dirty="0"/>
+              <a:rPr lang="en-IN" sz="1400" dirty="0"/>
               <a:t> Zhu</a:t>
             </a:r>
           </a:p>
@@ -9464,11 +9709,11 @@
               <a:buChar char="•"/>
             </a:pPr>
             <a:r>
-              <a:rPr lang="en-IN" dirty="0"/>
+              <a:rPr lang="en-IN" sz="1400" dirty="0"/>
               <a:t>Institution: BIM for Smart Engineering Centre, School of Engineering, </a:t>
             </a:r>
             <a:r>
-              <a:rPr lang="en-IN" b="1" dirty="0"/>
+              <a:rPr lang="en-IN" sz="1400" b="1" dirty="0"/>
               <a:t>Cardiff University, UK</a:t>
             </a:r>
           </a:p>
@@ -9478,41 +9723,41 @@
               <a:buChar char="•"/>
             </a:pPr>
             <a:r>
-              <a:rPr lang="en-IN" b="1" dirty="0" err="1"/>
+              <a:rPr lang="en-IN" sz="1400" b="1" dirty="0" err="1"/>
               <a:t>link:</a:t>
             </a:r>
             <a:r>
-              <a:rPr lang="en-IN" dirty="0" err="1">
+              <a:rPr lang="en-IN" sz="1400" dirty="0" err="1">
                 <a:hlinkClick r:id="rId3"/>
               </a:rPr>
               <a:t>https</a:t>
             </a:r>
             <a:r>
-              <a:rPr lang="en-IN" dirty="0">
+              <a:rPr lang="en-IN" sz="1400" dirty="0">
                 <a:hlinkClick r:id="rId3"/>
               </a:rPr>
               <a:t>://orca.cardiff.ac.uk/id/</a:t>
             </a:r>
             <a:r>
-              <a:rPr lang="en-IN" dirty="0" err="1">
+              <a:rPr lang="en-IN" sz="1400" dirty="0" err="1">
                 <a:hlinkClick r:id="rId3"/>
               </a:rPr>
               <a:t>eprint</a:t>
             </a:r>
             <a:r>
-              <a:rPr lang="en-IN" dirty="0">
+              <a:rPr lang="en-IN" sz="1400" dirty="0">
                 <a:hlinkClick r:id="rId3"/>
               </a:rPr>
               <a:t>/170899/1/%28PrintVersion%29LLM-informed%20drone%20visual%20inspection%20for%20infrastructure.pdf</a:t>
             </a:r>
-            <a:endParaRPr lang="en-IN" dirty="0"/>
+            <a:endParaRPr lang="en-IN" sz="1400" dirty="0"/>
           </a:p>
           <a:p>
             <a:pPr marL="742950" lvl="1" indent="-285750">
               <a:buFont typeface="Arial" panose="020B0604020202020204" pitchFamily="34" charset="0"/>
               <a:buChar char="•"/>
             </a:pPr>
-            <a:endParaRPr lang="en-IN" sz="800" dirty="0"/>
+            <a:endParaRPr lang="en-IN" sz="1400" dirty="0"/>
           </a:p>
           <a:p>
             <a:pPr>
@@ -9520,14 +9765,14 @@
               <a:buAutoNum type="arabicPeriod"/>
             </a:pPr>
             <a:r>
-              <a:rPr lang="en-IN" b="1" dirty="0" err="1"/>
+              <a:rPr lang="en-IN" sz="1400" b="1" dirty="0" err="1"/>
               <a:t>TypeFly</a:t>
             </a:r>
             <a:r>
-              <a:rPr lang="en-IN" b="1" dirty="0"/>
+              <a:rPr lang="en-IN" sz="1400" b="1" dirty="0"/>
               <a:t>: Flying Drones with Large Language Models</a:t>
             </a:r>
-            <a:endParaRPr lang="en-IN" dirty="0"/>
+            <a:endParaRPr lang="en-IN" sz="1400" dirty="0"/>
           </a:p>
           <a:p>
             <a:pPr marL="742950" lvl="1" indent="-285750">
@@ -9535,23 +9780,23 @@
               <a:buChar char="•"/>
             </a:pPr>
             <a:r>
-              <a:rPr lang="en-IN" dirty="0"/>
+              <a:rPr lang="en-IN" sz="1400" dirty="0"/>
               <a:t>Authors: </a:t>
             </a:r>
             <a:r>
-              <a:rPr lang="en-IN" dirty="0" err="1"/>
+              <a:rPr lang="en-IN" sz="1400" dirty="0" err="1"/>
               <a:t>Guojun</a:t>
             </a:r>
             <a:r>
-              <a:rPr lang="en-IN" dirty="0"/>
+              <a:rPr lang="en-IN" sz="1400" dirty="0"/>
               <a:t> Chen, </a:t>
             </a:r>
             <a:r>
-              <a:rPr lang="en-IN" dirty="0" err="1"/>
+              <a:rPr lang="en-IN" sz="1400" dirty="0" err="1"/>
               <a:t>Xiaojing</a:t>
             </a:r>
             <a:r>
-              <a:rPr lang="en-IN" dirty="0"/>
+              <a:rPr lang="en-IN" sz="1400" dirty="0"/>
               <a:t> Yu, Lin Zhong</a:t>
             </a:r>
           </a:p>
@@ -9561,11 +9806,11 @@
               <a:buChar char="•"/>
             </a:pPr>
             <a:r>
-              <a:rPr lang="en-IN" dirty="0"/>
+              <a:rPr lang="en-IN" sz="1400" dirty="0"/>
               <a:t>Institution: </a:t>
             </a:r>
             <a:r>
-              <a:rPr lang="en-IN" b="1" dirty="0"/>
+              <a:rPr lang="en-IN" sz="1400" b="1" dirty="0"/>
               <a:t>Yale University</a:t>
             </a:r>
           </a:p>
@@ -9575,23 +9820,23 @@
               <a:buChar char="•"/>
             </a:pPr>
             <a:r>
-              <a:rPr lang="en-IN" b="1" dirty="0"/>
+              <a:rPr lang="en-IN" sz="1400" b="1" dirty="0"/>
               <a:t>Link: </a:t>
             </a:r>
             <a:r>
-              <a:rPr lang="en-IN" dirty="0">
+              <a:rPr lang="en-IN" sz="1400" dirty="0">
                 <a:hlinkClick r:id="rId4"/>
               </a:rPr>
               <a:t>https://arxiv.org/abs/2312.14950</a:t>
             </a:r>
-            <a:endParaRPr lang="en-IN" dirty="0"/>
+            <a:endParaRPr lang="en-IN" sz="1400" dirty="0"/>
           </a:p>
           <a:p>
             <a:pPr marL="742950" lvl="1" indent="-285750">
               <a:buFont typeface="Arial" panose="020B0604020202020204" pitchFamily="34" charset="0"/>
               <a:buChar char="•"/>
             </a:pPr>
-            <a:endParaRPr lang="en-IN" sz="800" dirty="0"/>
+            <a:endParaRPr lang="en-IN" sz="1400" dirty="0"/>
           </a:p>
           <a:p>
             <a:pPr>
@@ -9599,10 +9844,10 @@
               <a:buAutoNum type="arabicPeriod"/>
             </a:pPr>
             <a:r>
-              <a:rPr lang="en-IN" b="1" dirty="0"/>
+              <a:rPr lang="en-IN" sz="1400" b="1" dirty="0"/>
               <a:t>LLM as A Robotic Brain: Unifying Egocentric Memory and Control</a:t>
             </a:r>
-            <a:endParaRPr lang="en-IN" dirty="0"/>
+            <a:endParaRPr lang="en-IN" sz="1400" dirty="0"/>
           </a:p>
           <a:p>
             <a:pPr marL="742950" lvl="1" indent="-285750">
@@ -9610,31 +9855,31 @@
               <a:buChar char="•"/>
             </a:pPr>
             <a:r>
-              <a:rPr lang="en-IN" dirty="0"/>
+              <a:rPr lang="en-IN" sz="1400" dirty="0"/>
               <a:t>Authors: </a:t>
             </a:r>
             <a:r>
-              <a:rPr lang="en-IN" dirty="0" err="1"/>
+              <a:rPr lang="en-IN" sz="1400" dirty="0" err="1"/>
               <a:t>Jinjie</a:t>
             </a:r>
             <a:r>
-              <a:rPr lang="en-IN" dirty="0"/>
+              <a:rPr lang="en-IN" sz="1400" dirty="0"/>
               <a:t> Mai, Jun Chen, Bing Li, </a:t>
             </a:r>
             <a:r>
-              <a:rPr lang="en-IN" dirty="0" err="1"/>
+              <a:rPr lang="en-IN" sz="1400" dirty="0" err="1"/>
               <a:t>Guocheng</a:t>
             </a:r>
             <a:r>
-              <a:rPr lang="en-IN" dirty="0"/>
+              <a:rPr lang="en-IN" sz="1400" dirty="0"/>
               <a:t> Qian, Mohamed </a:t>
             </a:r>
             <a:r>
-              <a:rPr lang="en-IN" dirty="0" err="1"/>
+              <a:rPr lang="en-IN" sz="1400" dirty="0" err="1"/>
               <a:t>Elhoseiny</a:t>
             </a:r>
             <a:r>
-              <a:rPr lang="en-IN" dirty="0"/>
+              <a:rPr lang="en-IN" sz="1400" dirty="0"/>
               <a:t>, Bernard Ghanem</a:t>
             </a:r>
           </a:p>
@@ -9644,23 +9889,23 @@
               <a:buChar char="•"/>
             </a:pPr>
             <a:r>
-              <a:rPr lang="en-IN" b="1" dirty="0"/>
+              <a:rPr lang="en-IN" sz="1400" b="1" dirty="0"/>
               <a:t>Link: </a:t>
             </a:r>
             <a:r>
-              <a:rPr lang="en-IN" dirty="0">
+              <a:rPr lang="en-IN" sz="1400" dirty="0">
                 <a:hlinkClick r:id="rId5"/>
               </a:rPr>
               <a:t>https://repository.kaust.edu.sa/handle/10754/692551</a:t>
             </a:r>
-            <a:endParaRPr lang="en-IN" dirty="0"/>
+            <a:endParaRPr lang="en-IN" sz="1400" dirty="0"/>
           </a:p>
           <a:p>
             <a:pPr marL="742950" lvl="1" indent="-285750">
               <a:buFont typeface="Arial" panose="020B0604020202020204" pitchFamily="34" charset="0"/>
               <a:buChar char="•"/>
             </a:pPr>
-            <a:endParaRPr lang="en-IN" sz="800" dirty="0"/>
+            <a:endParaRPr lang="en-IN" sz="1400" dirty="0"/>
           </a:p>
           <a:p>
             <a:pPr>
@@ -9668,10 +9913,10 @@
               <a:buAutoNum type="arabicPeriod"/>
             </a:pPr>
             <a:r>
-              <a:rPr lang="en-IN" b="1" dirty="0"/>
+              <a:rPr lang="en-IN" sz="1400" b="1" dirty="0"/>
               <a:t>Enhancing the LLM-Based Robot Manipulation Through Human-Robot Collaboration</a:t>
             </a:r>
-            <a:endParaRPr lang="en-IN" dirty="0"/>
+            <a:endParaRPr lang="en-IN" sz="1400" dirty="0"/>
           </a:p>
           <a:p>
             <a:pPr marL="742950" lvl="1" indent="-285750">
@@ -9679,26 +9924,26 @@
               <a:buChar char="•"/>
             </a:pPr>
             <a:r>
-              <a:rPr lang="en-IN" dirty="0"/>
+              <a:rPr lang="en-IN" sz="1400" dirty="0"/>
               <a:t>Authors: </a:t>
             </a:r>
             <a:r>
-              <a:rPr lang="en-IN" dirty="0" err="1"/>
+              <a:rPr lang="en-IN" sz="1400" dirty="0" err="1"/>
               <a:t>Haokun</a:t>
             </a:r>
             <a:r>
-              <a:rPr lang="en-IN" dirty="0"/>
+              <a:rPr lang="en-IN" sz="1400" dirty="0"/>
               <a:t> Liu, </a:t>
             </a:r>
             <a:r>
-              <a:rPr lang="en-IN" dirty="0" err="1"/>
+              <a:rPr lang="en-IN" sz="1400" dirty="0" err="1"/>
               <a:t>Yaonan</a:t>
             </a:r>
             <a:r>
-              <a:rPr lang="en-IN" dirty="0"/>
+              <a:rPr lang="en-IN" sz="1400" dirty="0"/>
               <a:t> Zhu, Kenji Kato, Atsushi Tsukahara, Izumi Kondo, Tadayoshi Aoyama, Yasuhisa Hasegawa</a:t>
             </a:r>
-            <a:endParaRPr lang="en-US" sz="2800" dirty="0">
+            <a:endParaRPr lang="en-US" sz="1400" dirty="0">
               <a:solidFill>
                 <a:prstClr val="black"/>
               </a:solidFill>
@@ -9712,7 +9957,7 @@
               <a:buChar char="•"/>
             </a:pPr>
             <a:r>
-              <a:rPr lang="en-US" b="1" dirty="0">
+              <a:rPr lang="en-US" sz="1400" b="1" dirty="0">
                 <a:solidFill>
                   <a:prstClr val="black"/>
                 </a:solidFill>
@@ -9722,7 +9967,7 @@
               <a:t>Link: </a:t>
             </a:r>
             <a:r>
-              <a:rPr lang="en-US" dirty="0">
+              <a:rPr lang="en-US" sz="1400" dirty="0">
                 <a:solidFill>
                   <a:prstClr val="black"/>
                 </a:solidFill>
@@ -9732,7 +9977,7 @@
               </a:rPr>
               <a:t>https://arxiv.org/abs/2406.14097</a:t>
             </a:r>
-            <a:endParaRPr lang="en-IN" dirty="0"/>
+            <a:endParaRPr lang="en-IN" sz="1400" dirty="0"/>
           </a:p>
         </p:txBody>
       </p:sp>
